--- a/Basic_python/5 Tuple and List.pptx
+++ b/Basic_python/5 Tuple and List.pptx
@@ -149,14 +149,6 @@
     </p:ext>
   </p:extLst>
 </p:presentation>
-</file>
-
-<file path=ppt/revisionInfo.xml><?xml version="1.0" encoding="utf-8"?>
-<p1510:revInfo xmlns:a="http://schemas.openxmlformats.org/drawingml/2006/main" xmlns:r="http://schemas.openxmlformats.org/officeDocument/2006/relationships" xmlns:p1510="http://schemas.microsoft.com/office/powerpoint/2015/10/main">
-  <p1510:revLst>
-    <p1510:client id="{97D12E15-551B-4501-B92F-DBCA99B10A46}" v="1" dt="2022-05-25T13:25:57.036"/>
-  </p1510:revLst>
-</p1510:revInfo>
 </file>
 
 <file path=ppt/changesInfos/changesInfo1.xml><?xml version="1.0" encoding="utf-8"?>
@@ -825,6 +817,90 @@
     </pc:docChg>
   </pc:docChgLst>
   <pc:docChgLst>
+    <pc:chgData name="Brent Pulmans" userId="8ae858ac-1a5b-43d2-9c3f-1bf2d06d427e" providerId="ADAL" clId="{CE78B62C-A2DF-4499-8A74-AAFDA536FCEA}"/>
+    <pc:docChg chg="modSld">
+      <pc:chgData name="Brent Pulmans" userId="8ae858ac-1a5b-43d2-9c3f-1bf2d06d427e" providerId="ADAL" clId="{CE78B62C-A2DF-4499-8A74-AAFDA536FCEA}" dt="2022-10-04T12:57:08.991" v="10" actId="20577"/>
+      <pc:docMkLst>
+        <pc:docMk/>
+      </pc:docMkLst>
+      <pc:sldChg chg="modSp mod">
+        <pc:chgData name="Brent Pulmans" userId="8ae858ac-1a5b-43d2-9c3f-1bf2d06d427e" providerId="ADAL" clId="{CE78B62C-A2DF-4499-8A74-AAFDA536FCEA}" dt="2022-10-04T12:32:28.338" v="5" actId="20577"/>
+        <pc:sldMkLst>
+          <pc:docMk/>
+          <pc:sldMk cId="1831006325" sldId="362"/>
+        </pc:sldMkLst>
+        <pc:spChg chg="mod">
+          <ac:chgData name="Brent Pulmans" userId="8ae858ac-1a5b-43d2-9c3f-1bf2d06d427e" providerId="ADAL" clId="{CE78B62C-A2DF-4499-8A74-AAFDA536FCEA}" dt="2022-10-04T12:32:28.338" v="5" actId="20577"/>
+          <ac:spMkLst>
+            <pc:docMk/>
+            <pc:sldMk cId="1831006325" sldId="362"/>
+            <ac:spMk id="3" creationId="{000B7E13-A0C9-4005-A2E5-7E3A2981C7DB}"/>
+          </ac:spMkLst>
+        </pc:spChg>
+      </pc:sldChg>
+      <pc:sldChg chg="modSp mod">
+        <pc:chgData name="Brent Pulmans" userId="8ae858ac-1a5b-43d2-9c3f-1bf2d06d427e" providerId="ADAL" clId="{CE78B62C-A2DF-4499-8A74-AAFDA536FCEA}" dt="2022-10-04T12:32:55.227" v="6" actId="20577"/>
+        <pc:sldMkLst>
+          <pc:docMk/>
+          <pc:sldMk cId="3689873442" sldId="363"/>
+        </pc:sldMkLst>
+        <pc:spChg chg="mod">
+          <ac:chgData name="Brent Pulmans" userId="8ae858ac-1a5b-43d2-9c3f-1bf2d06d427e" providerId="ADAL" clId="{CE78B62C-A2DF-4499-8A74-AAFDA536FCEA}" dt="2022-10-04T12:32:55.227" v="6" actId="20577"/>
+          <ac:spMkLst>
+            <pc:docMk/>
+            <pc:sldMk cId="3689873442" sldId="363"/>
+            <ac:spMk id="11" creationId="{00000000-0000-0000-0000-000000000000}"/>
+          </ac:spMkLst>
+        </pc:spChg>
+      </pc:sldChg>
+      <pc:sldChg chg="modSp mod">
+        <pc:chgData name="Brent Pulmans" userId="8ae858ac-1a5b-43d2-9c3f-1bf2d06d427e" providerId="ADAL" clId="{CE78B62C-A2DF-4499-8A74-AAFDA536FCEA}" dt="2022-10-04T12:42:07.983" v="7" actId="20577"/>
+        <pc:sldMkLst>
+          <pc:docMk/>
+          <pc:sldMk cId="370688825" sldId="375"/>
+        </pc:sldMkLst>
+        <pc:graphicFrameChg chg="modGraphic">
+          <ac:chgData name="Brent Pulmans" userId="8ae858ac-1a5b-43d2-9c3f-1bf2d06d427e" providerId="ADAL" clId="{CE78B62C-A2DF-4499-8A74-AAFDA536FCEA}" dt="2022-10-04T12:42:07.983" v="7" actId="20577"/>
+          <ac:graphicFrameMkLst>
+            <pc:docMk/>
+            <pc:sldMk cId="370688825" sldId="375"/>
+            <ac:graphicFrameMk id="5" creationId="{777601E7-5A58-4007-966E-C058A682A574}"/>
+          </ac:graphicFrameMkLst>
+        </pc:graphicFrameChg>
+      </pc:sldChg>
+      <pc:sldChg chg="modSp mod">
+        <pc:chgData name="Brent Pulmans" userId="8ae858ac-1a5b-43d2-9c3f-1bf2d06d427e" providerId="ADAL" clId="{CE78B62C-A2DF-4499-8A74-AAFDA536FCEA}" dt="2022-10-04T12:43:12.043" v="8" actId="20577"/>
+        <pc:sldMkLst>
+          <pc:docMk/>
+          <pc:sldMk cId="3383447715" sldId="377"/>
+        </pc:sldMkLst>
+        <pc:spChg chg="mod">
+          <ac:chgData name="Brent Pulmans" userId="8ae858ac-1a5b-43d2-9c3f-1bf2d06d427e" providerId="ADAL" clId="{CE78B62C-A2DF-4499-8A74-AAFDA536FCEA}" dt="2022-10-04T12:43:12.043" v="8" actId="20577"/>
+          <ac:spMkLst>
+            <pc:docMk/>
+            <pc:sldMk cId="3383447715" sldId="377"/>
+            <ac:spMk id="3" creationId="{0B9DD48D-17A4-4D57-A8B3-2AF705AF5184}"/>
+          </ac:spMkLst>
+        </pc:spChg>
+      </pc:sldChg>
+      <pc:sldChg chg="modSp mod">
+        <pc:chgData name="Brent Pulmans" userId="8ae858ac-1a5b-43d2-9c3f-1bf2d06d427e" providerId="ADAL" clId="{CE78B62C-A2DF-4499-8A74-AAFDA536FCEA}" dt="2022-10-04T12:57:08.991" v="10" actId="20577"/>
+        <pc:sldMkLst>
+          <pc:docMk/>
+          <pc:sldMk cId="1087261940" sldId="383"/>
+        </pc:sldMkLst>
+        <pc:spChg chg="mod">
+          <ac:chgData name="Brent Pulmans" userId="8ae858ac-1a5b-43d2-9c3f-1bf2d06d427e" providerId="ADAL" clId="{CE78B62C-A2DF-4499-8A74-AAFDA536FCEA}" dt="2022-10-04T12:57:08.991" v="10" actId="20577"/>
+          <ac:spMkLst>
+            <pc:docMk/>
+            <pc:sldMk cId="1087261940" sldId="383"/>
+            <ac:spMk id="3" creationId="{00000000-0000-0000-0000-000000000000}"/>
+          </ac:spMkLst>
+        </pc:spChg>
+      </pc:sldChg>
+    </pc:docChg>
+  </pc:docChgLst>
+  <pc:docChgLst>
     <pc:chgData name="Hans Bartholomeus" userId="fdad893c-ea0f-4e18-a760-ac9a83339ccd" providerId="ADAL" clId="{CF962D39-EB5D-47FB-A591-C1D12EAD304D}"/>
     <pc:docChg chg="undo custSel modSld">
       <pc:chgData name="Hans Bartholomeus" userId="fdad893c-ea0f-4e18-a760-ac9a83339ccd" providerId="ADAL" clId="{CF962D39-EB5D-47FB-A591-C1D12EAD304D}" dt="2020-10-13T09:09:00.490" v="68" actId="20578"/>
@@ -1503,7 +1579,7 @@
           <a:p>
             <a:fld id="{15E4F5CE-CB34-4A0C-9595-867A2C0DB20E}" type="datetimeFigureOut">
               <a:rPr lang="nl-BE" smtClean="0"/>
-              <a:t>8/06/2022</a:t>
+              <a:t>4/10/2022</a:t>
             </a:fld>
             <a:endParaRPr lang="nl-BE"/>
           </a:p>
@@ -1680,7 +1756,7 @@
           <a:p>
             <a:fld id="{4D53584B-980D-4F7D-BA36-682FCDF648BB}" type="datetimeFigureOut">
               <a:rPr lang="nl-BE" smtClean="0"/>
-              <a:t>8/06/2022</a:t>
+              <a:t>4/10/2022</a:t>
             </a:fld>
             <a:endParaRPr lang="nl-BE"/>
           </a:p>
@@ -2181,7 +2257,7 @@
           <a:p>
             <a:fld id="{F456E141-11F1-487F-A892-18B8A63336C7}" type="datetime1">
               <a:rPr lang="nl-BE" smtClean="0"/>
-              <a:t>8/06/2022</a:t>
+              <a:t>4/10/2022</a:t>
             </a:fld>
             <a:endParaRPr lang="nl-BE"/>
           </a:p>
@@ -2433,7 +2509,7 @@
           <a:p>
             <a:fld id="{85CAFD92-94F2-4CD0-8A1D-AA3295115CEC}" type="datetime1">
               <a:rPr lang="nl-BE" smtClean="0"/>
-              <a:t>8/06/2022</a:t>
+              <a:t>4/10/2022</a:t>
             </a:fld>
             <a:endParaRPr lang="nl-BE"/>
           </a:p>
@@ -2613,7 +2689,7 @@
           <a:p>
             <a:fld id="{02B84EFA-B363-4043-A12E-44B39EC7D05B}" type="datetime1">
               <a:rPr lang="nl-BE" smtClean="0"/>
-              <a:t>8/06/2022</a:t>
+              <a:t>4/10/2022</a:t>
             </a:fld>
             <a:endParaRPr lang="nl-BE"/>
           </a:p>
@@ -2812,7 +2888,7 @@
           <a:p>
             <a:fld id="{B7AA89A6-C9B9-4556-BC9E-5E3CF3322A33}" type="datetime1">
               <a:rPr lang="nl-BE" smtClean="0"/>
-              <a:t>8/06/2022</a:t>
+              <a:t>4/10/2022</a:t>
             </a:fld>
             <a:endParaRPr lang="nl-BE"/>
           </a:p>
@@ -3063,7 +3139,7 @@
           <a:p>
             <a:fld id="{6CEB42D4-4FBB-465F-AE58-8ADBDBF671C8}" type="datetime1">
               <a:rPr lang="nl-BE" smtClean="0"/>
-              <a:t>8/06/2022</a:t>
+              <a:t>4/10/2022</a:t>
             </a:fld>
             <a:endParaRPr lang="nl-BE"/>
           </a:p>
@@ -3295,7 +3371,7 @@
           <a:p>
             <a:fld id="{64B405D5-C0FD-42E0-9EB1-2670F471B7BB}" type="datetime1">
               <a:rPr lang="nl-BE" smtClean="0"/>
-              <a:t>8/06/2022</a:t>
+              <a:t>4/10/2022</a:t>
             </a:fld>
             <a:endParaRPr lang="nl-BE"/>
           </a:p>
@@ -3662,7 +3738,7 @@
           <a:p>
             <a:fld id="{4CB55C39-C031-448F-A58F-CA88F7B6F786}" type="datetime1">
               <a:rPr lang="nl-BE" smtClean="0"/>
-              <a:t>8/06/2022</a:t>
+              <a:t>4/10/2022</a:t>
             </a:fld>
             <a:endParaRPr lang="nl-BE"/>
           </a:p>
@@ -3780,7 +3856,7 @@
           <a:p>
             <a:fld id="{E29307F5-1DF0-4FFF-91A4-1E1A6A26A94A}" type="datetime1">
               <a:rPr lang="nl-BE" smtClean="0"/>
-              <a:t>8/06/2022</a:t>
+              <a:t>4/10/2022</a:t>
             </a:fld>
             <a:endParaRPr lang="nl-BE"/>
           </a:p>
@@ -3875,7 +3951,7 @@
           <a:p>
             <a:fld id="{00A9168B-A159-4E9D-A6C6-C6786C6AB2EB}" type="datetime1">
               <a:rPr lang="nl-BE" smtClean="0"/>
-              <a:t>8/06/2022</a:t>
+              <a:t>4/10/2022</a:t>
             </a:fld>
             <a:endParaRPr lang="nl-BE"/>
           </a:p>
@@ -4152,7 +4228,7 @@
           <a:p>
             <a:fld id="{E9D22159-AF82-4D23-BC06-D4277BDD9BAD}" type="datetime1">
               <a:rPr lang="nl-BE" smtClean="0"/>
-              <a:t>8/06/2022</a:t>
+              <a:t>4/10/2022</a:t>
             </a:fld>
             <a:endParaRPr lang="nl-BE"/>
           </a:p>
@@ -4405,7 +4481,7 @@
           <a:p>
             <a:fld id="{D08A7014-C292-4E4F-926C-1A31F538B52A}" type="datetime1">
               <a:rPr lang="nl-BE" smtClean="0"/>
-              <a:t>8/06/2022</a:t>
+              <a:t>4/10/2022</a:t>
             </a:fld>
             <a:endParaRPr lang="nl-BE"/>
           </a:p>
@@ -4618,7 +4694,7 @@
           <a:p>
             <a:fld id="{E9CC7161-F687-474C-905A-3CCBBA535086}" type="datetime1">
               <a:rPr lang="nl-BE" smtClean="0"/>
-              <a:t>8/06/2022</a:t>
+              <a:t>4/10/2022</a:t>
             </a:fld>
             <a:endParaRPr lang="nl-BE"/>
           </a:p>
@@ -8680,8 +8756,56 @@
           <a:lstStyle/>
           <a:p>
             <a:r>
-              <a:rPr lang="nl-BE" sz="2000"/>
-              <a:t>Script to add new movies to your collection. </a:t>
+              <a:rPr lang="nl-BE" sz="2000" dirty="0"/>
+              <a:t>Script </a:t>
+            </a:r>
+            <a:r>
+              <a:rPr lang="nl-BE" sz="2000" dirty="0" err="1"/>
+              <a:t>to</a:t>
+            </a:r>
+            <a:r>
+              <a:rPr lang="nl-BE" sz="2000" dirty="0"/>
+              <a:t> </a:t>
+            </a:r>
+            <a:r>
+              <a:rPr lang="nl-BE" sz="2000" dirty="0" err="1"/>
+              <a:t>add</a:t>
+            </a:r>
+            <a:r>
+              <a:rPr lang="nl-BE" sz="2000" dirty="0"/>
+              <a:t> new </a:t>
+            </a:r>
+            <a:r>
+              <a:rPr lang="nl-BE" sz="2000" dirty="0" err="1"/>
+              <a:t>movies</a:t>
+            </a:r>
+            <a:r>
+              <a:rPr lang="nl-BE" sz="2000" dirty="0"/>
+              <a:t> </a:t>
+            </a:r>
+            <a:r>
+              <a:rPr lang="nl-BE" sz="2000" dirty="0" err="1"/>
+              <a:t>to</a:t>
+            </a:r>
+            <a:r>
+              <a:rPr lang="nl-BE" sz="2000" dirty="0"/>
+              <a:t> </a:t>
+            </a:r>
+            <a:r>
+              <a:rPr lang="nl-BE" sz="2000" dirty="0" err="1"/>
+              <a:t>your</a:t>
+            </a:r>
+            <a:r>
+              <a:rPr lang="nl-BE" sz="2000" dirty="0"/>
+              <a:t> </a:t>
+            </a:r>
+            <a:r>
+              <a:rPr lang="nl-BE" sz="2000" dirty="0" err="1"/>
+              <a:t>collection</a:t>
+            </a:r>
+            <a:r>
+              <a:rPr lang="nl-BE" sz="2000" dirty="0"/>
+              <a:t>. </a:t>
             </a:r>
           </a:p>
           <a:p>
@@ -8689,7 +8813,7 @@
               <a:buNone/>
             </a:pPr>
             <a:r>
-              <a:rPr lang="nl-BE" altLang="nl-BE" sz="2000">
+              <a:rPr lang="nl-BE" altLang="nl-BE" sz="2000" dirty="0">
                 <a:solidFill>
                   <a:srgbClr val="000000"/>
                 </a:solidFill>
@@ -8699,7 +8823,7 @@
               <a:t>	films = [</a:t>
             </a:r>
             <a:r>
-              <a:rPr lang="nl-BE" altLang="nl-BE" sz="2000">
+              <a:rPr lang="nl-BE" altLang="nl-BE" sz="2000" dirty="0">
                 <a:solidFill>
                   <a:srgbClr val="008080"/>
                 </a:solidFill>
@@ -8709,7 +8833,7 @@
               <a:t>'Wonder'</a:t>
             </a:r>
             <a:r>
-              <a:rPr lang="nl-BE" altLang="nl-BE" sz="2000">
+              <a:rPr lang="nl-BE" altLang="nl-BE" sz="2000" dirty="0">
                 <a:solidFill>
                   <a:srgbClr val="000000"/>
                 </a:solidFill>
@@ -8719,66 +8843,126 @@
               <a:t>,</a:t>
             </a:r>
             <a:r>
-              <a:rPr lang="nl-BE" altLang="nl-BE" sz="2000">
+              <a:rPr lang="nl-BE" altLang="nl-BE" sz="2000" dirty="0">
                 <a:solidFill>
                   <a:srgbClr val="008080"/>
                 </a:solidFill>
                 <a:latin typeface="Consolas" panose="020B0609020204030204" pitchFamily="49" charset="0"/>
                 <a:cs typeface="Courier New" panose="02070309020205020404" pitchFamily="49" charset="0"/>
               </a:rPr>
-              <a:t> 'Loving Vincent'</a:t>
-            </a:r>
-            <a:r>
-              <a:rPr lang="nl-BE" altLang="nl-BE" sz="2000">
-                <a:solidFill>
-                  <a:srgbClr val="000000"/>
+              <a:t> '</a:t>
+            </a:r>
+            <a:r>
+              <a:rPr lang="nl-BE" altLang="nl-BE" sz="2000" dirty="0" err="1">
+                <a:solidFill>
+                  <a:srgbClr val="008080"/>
                 </a:solidFill>
                 <a:latin typeface="Consolas" panose="020B0609020204030204" pitchFamily="49" charset="0"/>
                 <a:cs typeface="Courier New" panose="02070309020205020404" pitchFamily="49" charset="0"/>
               </a:rPr>
+              <a:t>Loving</a:t>
+            </a:r>
+            <a:r>
+              <a:rPr lang="nl-BE" altLang="nl-BE" sz="2000" dirty="0">
+                <a:solidFill>
+                  <a:srgbClr val="008080"/>
+                </a:solidFill>
+                <a:latin typeface="Consolas" panose="020B0609020204030204" pitchFamily="49" charset="0"/>
+                <a:cs typeface="Courier New" panose="02070309020205020404" pitchFamily="49" charset="0"/>
+              </a:rPr>
+              <a:t> Vincent'</a:t>
+            </a:r>
+            <a:r>
+              <a:rPr lang="nl-BE" altLang="nl-BE" sz="2000" dirty="0">
+                <a:solidFill>
+                  <a:srgbClr val="000000"/>
+                </a:solidFill>
+                <a:latin typeface="Consolas" panose="020B0609020204030204" pitchFamily="49" charset="0"/>
+                <a:cs typeface="Courier New" panose="02070309020205020404" pitchFamily="49" charset="0"/>
+              </a:rPr>
               <a:t>, '</a:t>
             </a:r>
             <a:r>
-              <a:rPr lang="nl-BE" altLang="nl-BE" sz="2000">
+              <a:rPr lang="nl-BE" altLang="nl-BE" sz="2000" dirty="0">
                 <a:solidFill>
                   <a:srgbClr val="008080"/>
                 </a:solidFill>
                 <a:latin typeface="Consolas" panose="020B0609020204030204" pitchFamily="49" charset="0"/>
                 <a:cs typeface="Courier New" panose="02070309020205020404" pitchFamily="49" charset="0"/>
               </a:rPr>
-              <a:t>Red Sparrow'</a:t>
-            </a:r>
-            <a:r>
-              <a:rPr lang="nl-BE" altLang="nl-BE" sz="2000">
-                <a:solidFill>
-                  <a:srgbClr val="000000"/>
+              <a:t>Red </a:t>
+            </a:r>
+            <a:r>
+              <a:rPr lang="nl-BE" altLang="nl-BE" sz="2000" dirty="0" err="1">
+                <a:solidFill>
+                  <a:srgbClr val="008080"/>
                 </a:solidFill>
                 <a:latin typeface="Consolas" panose="020B0609020204030204" pitchFamily="49" charset="0"/>
                 <a:cs typeface="Courier New" panose="02070309020205020404" pitchFamily="49" charset="0"/>
               </a:rPr>
+              <a:t>Sparrow</a:t>
+            </a:r>
+            <a:r>
+              <a:rPr lang="nl-BE" altLang="nl-BE" sz="2000" dirty="0">
+                <a:solidFill>
+                  <a:srgbClr val="008080"/>
+                </a:solidFill>
+                <a:latin typeface="Consolas" panose="020B0609020204030204" pitchFamily="49" charset="0"/>
+                <a:cs typeface="Courier New" panose="02070309020205020404" pitchFamily="49" charset="0"/>
+              </a:rPr>
+              <a:t>'</a:t>
+            </a:r>
+            <a:r>
+              <a:rPr lang="nl-BE" altLang="nl-BE" sz="2000" dirty="0">
+                <a:solidFill>
+                  <a:srgbClr val="000000"/>
+                </a:solidFill>
+                <a:latin typeface="Consolas" panose="020B0609020204030204" pitchFamily="49" charset="0"/>
+                <a:cs typeface="Courier New" panose="02070309020205020404" pitchFamily="49" charset="0"/>
+              </a:rPr>
               <a:t>,</a:t>
             </a:r>
             <a:r>
-              <a:rPr lang="nl-BE" altLang="nl-BE" sz="2000">
+              <a:rPr lang="nl-BE" altLang="nl-BE" sz="2000" dirty="0">
                 <a:solidFill>
                   <a:srgbClr val="008080"/>
                 </a:solidFill>
                 <a:latin typeface="Consolas" panose="020B0609020204030204" pitchFamily="49" charset="0"/>
                 <a:cs typeface="Courier New" panose="02070309020205020404" pitchFamily="49" charset="0"/>
               </a:rPr>
-              <a:t> 'Jumanji’</a:t>
-            </a:r>
-            <a:r>
-              <a:rPr lang="nl-BE" altLang="nl-BE" sz="2000">
-                <a:solidFill>
-                  <a:srgbClr val="000000"/>
+              <a:t> '</a:t>
+            </a:r>
+            <a:r>
+              <a:rPr lang="nl-BE" altLang="nl-BE" sz="2000" dirty="0" err="1">
+                <a:solidFill>
+                  <a:srgbClr val="008080"/>
                 </a:solidFill>
                 <a:latin typeface="Consolas" panose="020B0609020204030204" pitchFamily="49" charset="0"/>
                 <a:cs typeface="Courier New" panose="02070309020205020404" pitchFamily="49" charset="0"/>
               </a:rPr>
+              <a:t>Jumanji</a:t>
+            </a:r>
+            <a:r>
+              <a:rPr lang="nl-BE" altLang="nl-BE" sz="2000" dirty="0">
+                <a:solidFill>
+                  <a:srgbClr val="008080"/>
+                </a:solidFill>
+                <a:latin typeface="Consolas" panose="020B0609020204030204" pitchFamily="49" charset="0"/>
+                <a:cs typeface="Courier New" panose="02070309020205020404" pitchFamily="49" charset="0"/>
+              </a:rPr>
+              <a:t>’</a:t>
+            </a:r>
+            <a:r>
+              <a:rPr lang="nl-BE" altLang="nl-BE" sz="2000" dirty="0">
+                <a:solidFill>
+                  <a:srgbClr val="000000"/>
+                </a:solidFill>
+                <a:latin typeface="Consolas" panose="020B0609020204030204" pitchFamily="49" charset="0"/>
+                <a:cs typeface="Courier New" panose="02070309020205020404" pitchFamily="49" charset="0"/>
+              </a:rPr>
               <a:t>]</a:t>
             </a:r>
-            <a:endParaRPr lang="nl-BE" altLang="nl-BE" sz="2000">
+            <a:endParaRPr lang="nl-BE" altLang="nl-BE" sz="2000" dirty="0">
               <a:solidFill>
                 <a:srgbClr val="000000"/>
               </a:solidFill>
@@ -8788,22 +8972,138 @@
           </a:p>
           <a:p>
             <a:r>
-              <a:rPr lang="nl-BE" sz="2000"/>
-              <a:t>Your film collection only contains unique titles. </a:t>
+              <a:rPr lang="nl-BE" sz="2000" dirty="0" err="1"/>
+              <a:t>Your</a:t>
+            </a:r>
+            <a:r>
+              <a:rPr lang="nl-BE" sz="2000" dirty="0"/>
+              <a:t> film </a:t>
+            </a:r>
+            <a:r>
+              <a:rPr lang="nl-BE" sz="2000" dirty="0" err="1"/>
+              <a:t>collection</a:t>
+            </a:r>
+            <a:r>
+              <a:rPr lang="nl-BE" sz="2000" dirty="0"/>
+              <a:t> </a:t>
+            </a:r>
+            <a:r>
+              <a:rPr lang="nl-BE" sz="2000" dirty="0" err="1"/>
+              <a:t>only</a:t>
+            </a:r>
+            <a:r>
+              <a:rPr lang="nl-BE" sz="2000" dirty="0"/>
+              <a:t> </a:t>
+            </a:r>
+            <a:r>
+              <a:rPr lang="nl-BE" sz="2000" dirty="0" err="1"/>
+              <a:t>contains</a:t>
+            </a:r>
+            <a:r>
+              <a:rPr lang="nl-BE" sz="2000" dirty="0"/>
+              <a:t> </a:t>
+            </a:r>
+            <a:r>
+              <a:rPr lang="nl-BE" sz="2000" dirty="0" err="1"/>
+              <a:t>unique</a:t>
+            </a:r>
+            <a:r>
+              <a:rPr lang="nl-BE" sz="2000" dirty="0"/>
+              <a:t> </a:t>
+            </a:r>
+            <a:r>
+              <a:rPr lang="nl-BE" sz="2000" dirty="0" err="1"/>
+              <a:t>titles</a:t>
+            </a:r>
+            <a:r>
+              <a:rPr lang="nl-BE" sz="2000" dirty="0"/>
+              <a:t>. </a:t>
             </a:r>
             <a:br>
-              <a:rPr lang="nl-BE" sz="2000"/>
+              <a:rPr lang="nl-BE" sz="2000" dirty="0"/>
             </a:br>
             <a:r>
-              <a:rPr lang="nl-BE" sz="2000"/>
-              <a:t>When you enter an existing film, you can no </a:t>
+              <a:rPr lang="nl-BE" sz="2000" dirty="0" err="1"/>
+              <a:t>When</a:t>
+            </a:r>
+            <a:r>
+              <a:rPr lang="nl-BE" sz="2000" dirty="0"/>
+              <a:t> </a:t>
+            </a:r>
+            <a:r>
+              <a:rPr lang="nl-BE" sz="2000" dirty="0" err="1"/>
+              <a:t>you</a:t>
+            </a:r>
+            <a:r>
+              <a:rPr lang="nl-BE" sz="2000" dirty="0"/>
+              <a:t> enter </a:t>
+            </a:r>
+            <a:r>
+              <a:rPr lang="nl-BE" sz="2000" dirty="0" err="1"/>
+              <a:t>an</a:t>
+            </a:r>
+            <a:r>
+              <a:rPr lang="nl-BE" sz="2000" dirty="0"/>
+              <a:t> </a:t>
+            </a:r>
+            <a:r>
+              <a:rPr lang="nl-BE" sz="2000" dirty="0" err="1"/>
+              <a:t>existing</a:t>
+            </a:r>
+            <a:r>
+              <a:rPr lang="nl-BE" sz="2000" dirty="0"/>
+              <a:t> film, </a:t>
+            </a:r>
+            <a:r>
+              <a:rPr lang="nl-BE" sz="2000" dirty="0" err="1"/>
+              <a:t>you</a:t>
+            </a:r>
+            <a:r>
+              <a:rPr lang="nl-BE" sz="2000" dirty="0"/>
+              <a:t> </a:t>
+            </a:r>
+            <a:r>
+              <a:rPr lang="nl-BE" sz="2000" dirty="0" err="1"/>
+              <a:t>can</a:t>
+            </a:r>
+            <a:r>
+              <a:rPr lang="nl-BE" sz="2000" dirty="0"/>
+              <a:t> no </a:t>
             </a:r>
             <a:br>
-              <a:rPr lang="nl-BE" sz="2000"/>
+              <a:rPr lang="nl-BE" sz="2000" dirty="0"/>
             </a:br>
             <a:r>
-              <a:rPr lang="nl-BE" sz="2000"/>
-              <a:t>longer expand the collection.</a:t>
+              <a:rPr lang="nl-BE" sz="2000" dirty="0" err="1"/>
+              <a:t>longer</a:t>
+            </a:r>
+            <a:r>
+              <a:rPr lang="nl-BE" sz="2000" dirty="0"/>
+              <a:t> </a:t>
+            </a:r>
+            <a:r>
+              <a:rPr lang="nl-BE" sz="2000" dirty="0" err="1"/>
+              <a:t>expand</a:t>
+            </a:r>
+            <a:r>
+              <a:rPr lang="nl-BE" sz="2000" dirty="0"/>
+              <a:t> </a:t>
+            </a:r>
+            <a:r>
+              <a:rPr lang="nl-BE" sz="2000" dirty="0" err="1"/>
+              <a:t>the</a:t>
+            </a:r>
+            <a:r>
+              <a:rPr lang="nl-BE" sz="2000" dirty="0"/>
+              <a:t> </a:t>
+            </a:r>
+            <a:r>
+              <a:rPr lang="nl-BE" sz="2000" dirty="0" err="1"/>
+              <a:t>collection</a:t>
+            </a:r>
+            <a:r>
+              <a:rPr lang="nl-BE" sz="2000" dirty="0"/>
+              <a:t>.</a:t>
             </a:r>
           </a:p>
         </p:txBody>
@@ -9015,7 +9315,7 @@
           <a:lstStyle/>
           <a:p>
             <a:r>
-              <a:rPr lang="nl-BE" altLang="nl-BE" sz="1800" b="0" kern="1200">
+              <a:rPr lang="nl-BE" altLang="nl-BE" sz="1800" b="0" kern="1200" dirty="0">
                 <a:solidFill>
                   <a:srgbClr val="009900"/>
                 </a:solidFill>
@@ -9025,7 +9325,7 @@
               </a:rPr>
               <a:t>'</a:t>
             </a:r>
-            <a:endParaRPr lang="en-GB"/>
+            <a:endParaRPr lang="en-GB" dirty="0"/>
           </a:p>
         </p:txBody>
       </p:sp>
@@ -9311,7 +9611,7 @@
               <a:tabLst/>
             </a:pPr>
             <a:r>
-              <a:rPr kumimoji="0" lang="nl-BE" altLang="nl-BE" b="0" i="0" u="none" strike="noStrike" cap="none" normalizeH="0" baseline="0">
+              <a:rPr kumimoji="0" lang="nl-BE" altLang="nl-BE" b="0" i="0" u="none" strike="noStrike" cap="none" normalizeH="0" baseline="0" dirty="0">
                 <a:ln>
                   <a:noFill/>
                 </a:ln>
@@ -9324,7 +9624,7 @@
               <a:t>films = [</a:t>
             </a:r>
             <a:r>
-              <a:rPr kumimoji="0" lang="nl-BE" altLang="nl-BE" b="1" i="0" u="none" strike="noStrike" cap="none" normalizeH="0" baseline="0">
+              <a:rPr kumimoji="0" lang="nl-BE" altLang="nl-BE" b="1" i="0" u="none" strike="noStrike" cap="none" normalizeH="0" baseline="0" dirty="0">
                 <a:ln>
                   <a:noFill/>
                 </a:ln>
@@ -9337,7 +9637,7 @@
               <a:t>'Wonder'</a:t>
             </a:r>
             <a:r>
-              <a:rPr kumimoji="0" lang="nl-BE" altLang="nl-BE" b="0" i="0" u="none" strike="noStrike" cap="none" normalizeH="0" baseline="0">
+              <a:rPr kumimoji="0" lang="nl-BE" altLang="nl-BE" b="0" i="0" u="none" strike="noStrike" cap="none" normalizeH="0" baseline="0" dirty="0">
                 <a:ln>
                   <a:noFill/>
                 </a:ln>
@@ -9350,7 +9650,7 @@
               <a:t>, </a:t>
             </a:r>
             <a:r>
-              <a:rPr kumimoji="0" lang="nl-BE" altLang="nl-BE" b="1" i="0" u="none" strike="noStrike" cap="none" normalizeH="0" baseline="0">
+              <a:rPr kumimoji="0" lang="nl-BE" altLang="nl-BE" b="1" i="0" u="none" strike="noStrike" cap="none" normalizeH="0" baseline="0" dirty="0">
                 <a:ln>
                   <a:noFill/>
                 </a:ln>
@@ -9363,7 +9663,7 @@
               <a:t>'</a:t>
             </a:r>
             <a:r>
-              <a:rPr kumimoji="0" lang="nl-BE" altLang="nl-BE" b="1" i="0" u="none" strike="noStrike" cap="none" normalizeH="0" baseline="0" err="1">
+              <a:rPr kumimoji="0" lang="nl-BE" altLang="nl-BE" b="1" i="0" u="none" strike="noStrike" cap="none" normalizeH="0" baseline="0" dirty="0" err="1">
                 <a:ln>
                   <a:noFill/>
                 </a:ln>
@@ -9376,7 +9676,7 @@
               <a:t>Loving</a:t>
             </a:r>
             <a:r>
-              <a:rPr kumimoji="0" lang="nl-BE" altLang="nl-BE" b="1" i="0" u="none" strike="noStrike" cap="none" normalizeH="0" baseline="0">
+              <a:rPr kumimoji="0" lang="nl-BE" altLang="nl-BE" b="1" i="0" u="none" strike="noStrike" cap="none" normalizeH="0" baseline="0" dirty="0">
                 <a:ln>
                   <a:noFill/>
                 </a:ln>
@@ -9389,7 +9689,7 @@
               <a:t> Vincent'</a:t>
             </a:r>
             <a:r>
-              <a:rPr kumimoji="0" lang="nl-BE" altLang="nl-BE" b="0" i="0" u="none" strike="noStrike" cap="none" normalizeH="0" baseline="0">
+              <a:rPr kumimoji="0" lang="nl-BE" altLang="nl-BE" b="0" i="0" u="none" strike="noStrike" cap="none" normalizeH="0" baseline="0" dirty="0">
                 <a:ln>
                   <a:noFill/>
                 </a:ln>
@@ -9402,7 +9702,7 @@
               <a:t>, </a:t>
             </a:r>
             <a:r>
-              <a:rPr kumimoji="0" lang="nl-BE" altLang="nl-BE" b="1" i="0" u="none" strike="noStrike" cap="none" normalizeH="0" baseline="0">
+              <a:rPr kumimoji="0" lang="nl-BE" altLang="nl-BE" b="1" i="0" u="none" strike="noStrike" cap="none" normalizeH="0" baseline="0" dirty="0">
                 <a:ln>
                   <a:noFill/>
                 </a:ln>
@@ -9415,7 +9715,7 @@
               <a:t>'Red </a:t>
             </a:r>
             <a:r>
-              <a:rPr kumimoji="0" lang="nl-BE" altLang="nl-BE" b="1" i="0" u="none" strike="noStrike" cap="none" normalizeH="0" baseline="0" err="1">
+              <a:rPr kumimoji="0" lang="nl-BE" altLang="nl-BE" b="1" i="0" u="none" strike="noStrike" cap="none" normalizeH="0" baseline="0" dirty="0" err="1">
                 <a:ln>
                   <a:noFill/>
                 </a:ln>
@@ -9428,7 +9728,7 @@
               <a:t>Sparrow</a:t>
             </a:r>
             <a:r>
-              <a:rPr kumimoji="0" lang="nl-BE" altLang="nl-BE" b="1" i="0" u="none" strike="noStrike" cap="none" normalizeH="0" baseline="0">
+              <a:rPr kumimoji="0" lang="nl-BE" altLang="nl-BE" b="1" i="0" u="none" strike="noStrike" cap="none" normalizeH="0" baseline="0" dirty="0">
                 <a:ln>
                   <a:noFill/>
                 </a:ln>
@@ -9441,7 +9741,7 @@
               <a:t>'</a:t>
             </a:r>
             <a:r>
-              <a:rPr kumimoji="0" lang="nl-BE" altLang="nl-BE" b="0" i="0" u="none" strike="noStrike" cap="none" normalizeH="0" baseline="0">
+              <a:rPr kumimoji="0" lang="nl-BE" altLang="nl-BE" b="0" i="0" u="none" strike="noStrike" cap="none" normalizeH="0" baseline="0" dirty="0">
                 <a:ln>
                   <a:noFill/>
                 </a:ln>
@@ -9454,7 +9754,7 @@
               <a:t>, </a:t>
             </a:r>
             <a:r>
-              <a:rPr kumimoji="0" lang="nl-BE" altLang="nl-BE" b="1" i="0" u="none" strike="noStrike" cap="none" normalizeH="0" baseline="0">
+              <a:rPr kumimoji="0" lang="nl-BE" altLang="nl-BE" b="1" i="0" u="none" strike="noStrike" cap="none" normalizeH="0" baseline="0" dirty="0">
                 <a:ln>
                   <a:noFill/>
                 </a:ln>
@@ -9467,7 +9767,7 @@
               <a:t>'</a:t>
             </a:r>
             <a:r>
-              <a:rPr kumimoji="0" lang="nl-BE" altLang="nl-BE" b="1" i="0" u="none" strike="noStrike" cap="none" normalizeH="0" baseline="0" err="1">
+              <a:rPr kumimoji="0" lang="nl-BE" altLang="nl-BE" b="1" i="0" u="none" strike="noStrike" cap="none" normalizeH="0" baseline="0" dirty="0" err="1">
                 <a:ln>
                   <a:noFill/>
                 </a:ln>
@@ -9480,7 +9780,7 @@
               <a:t>Jumanji</a:t>
             </a:r>
             <a:r>
-              <a:rPr kumimoji="0" lang="nl-BE" altLang="nl-BE" b="1" i="0" u="none" strike="noStrike" cap="none" normalizeH="0" baseline="0">
+              <a:rPr kumimoji="0" lang="nl-BE" altLang="nl-BE" b="1" i="0" u="none" strike="noStrike" cap="none" normalizeH="0" baseline="0" dirty="0">
                 <a:ln>
                   <a:noFill/>
                 </a:ln>
@@ -9493,7 +9793,7 @@
               <a:t>'</a:t>
             </a:r>
             <a:r>
-              <a:rPr kumimoji="0" lang="nl-BE" altLang="nl-BE" b="0" i="0" u="none" strike="noStrike" cap="none" normalizeH="0" baseline="0">
+              <a:rPr kumimoji="0" lang="nl-BE" altLang="nl-BE" b="0" i="0" u="none" strike="noStrike" cap="none" normalizeH="0" baseline="0" dirty="0">
                 <a:ln>
                   <a:noFill/>
                 </a:ln>
@@ -9506,7 +9806,7 @@
               <a:t>]</a:t>
             </a:r>
             <a:br>
-              <a:rPr kumimoji="0" lang="nl-BE" altLang="nl-BE" b="0" i="0" u="none" strike="noStrike" cap="none" normalizeH="0" baseline="0">
+              <a:rPr kumimoji="0" lang="nl-BE" altLang="nl-BE" b="0" i="0" u="none" strike="noStrike" cap="none" normalizeH="0" baseline="0" dirty="0">
                 <a:ln>
                   <a:noFill/>
                 </a:ln>
@@ -9518,7 +9818,7 @@
               </a:rPr>
             </a:br>
             <a:r>
-              <a:rPr kumimoji="0" lang="nl-BE" altLang="nl-BE" b="0" i="0" u="none" strike="noStrike" cap="none" normalizeH="0" baseline="0" err="1">
+              <a:rPr kumimoji="0" lang="nl-BE" altLang="nl-BE" b="0" i="0" u="none" strike="noStrike" cap="none" normalizeH="0" baseline="0" dirty="0" err="1">
                 <a:ln>
                   <a:noFill/>
                 </a:ln>
@@ -9531,7 +9831,7 @@
               <a:t>new_film</a:t>
             </a:r>
             <a:r>
-              <a:rPr kumimoji="0" lang="nl-BE" altLang="nl-BE" b="0" i="0" u="none" strike="noStrike" cap="none" normalizeH="0" baseline="0">
+              <a:rPr kumimoji="0" lang="nl-BE" altLang="nl-BE" b="0" i="0" u="none" strike="noStrike" cap="none" normalizeH="0" baseline="0" dirty="0">
                 <a:ln>
                   <a:noFill/>
                 </a:ln>
@@ -9544,7 +9844,7 @@
               <a:t> = </a:t>
             </a:r>
             <a:r>
-              <a:rPr kumimoji="0" lang="nl-BE" altLang="nl-BE" b="0" i="0" u="none" strike="noStrike" cap="none" normalizeH="0" baseline="0">
+              <a:rPr kumimoji="0" lang="nl-BE" altLang="nl-BE" b="0" i="0" u="none" strike="noStrike" cap="none" normalizeH="0" baseline="0" dirty="0">
                 <a:ln>
                   <a:noFill/>
                 </a:ln>
@@ -9557,7 +9857,7 @@
               <a:t>input</a:t>
             </a:r>
             <a:r>
-              <a:rPr kumimoji="0" lang="nl-BE" altLang="nl-BE" b="0" i="0" u="none" strike="noStrike" cap="none" normalizeH="0" baseline="0">
+              <a:rPr kumimoji="0" lang="nl-BE" altLang="nl-BE" b="0" i="0" u="none" strike="noStrike" cap="none" normalizeH="0" baseline="0" dirty="0">
                 <a:ln>
                   <a:noFill/>
                 </a:ln>
@@ -9570,7 +9870,7 @@
               <a:t>(</a:t>
             </a:r>
             <a:r>
-              <a:rPr kumimoji="0" lang="nl-BE" altLang="nl-BE" b="1" i="0" u="none" strike="noStrike" cap="none" normalizeH="0" baseline="0">
+              <a:rPr kumimoji="0" lang="nl-BE" altLang="nl-BE" b="1" i="0" u="none" strike="noStrike" cap="none" normalizeH="0" baseline="0" dirty="0">
                 <a:ln>
                   <a:noFill/>
                 </a:ln>
@@ -9583,7 +9883,7 @@
               <a:t>"</a:t>
             </a:r>
             <a:r>
-              <a:rPr kumimoji="0" lang="nl-BE" altLang="nl-BE" b="1" i="0" u="none" strike="noStrike" cap="none" normalizeH="0" baseline="0" err="1">
+              <a:rPr kumimoji="0" lang="nl-BE" altLang="nl-BE" b="1" i="0" u="none" strike="noStrike" cap="none" normalizeH="0" baseline="0" dirty="0" err="1">
                 <a:ln>
                   <a:noFill/>
                 </a:ln>
@@ -9596,7 +9896,7 @@
               <a:t>Which</a:t>
             </a:r>
             <a:r>
-              <a:rPr kumimoji="0" lang="nl-BE" altLang="nl-BE" b="1" i="0" u="none" strike="noStrike" cap="none" normalizeH="0" baseline="0">
+              <a:rPr kumimoji="0" lang="nl-BE" altLang="nl-BE" b="1" i="0" u="none" strike="noStrike" cap="none" normalizeH="0" baseline="0" dirty="0">
                 <a:ln>
                   <a:noFill/>
                 </a:ln>
@@ -9609,7 +9909,7 @@
               <a:t> movie </a:t>
             </a:r>
             <a:r>
-              <a:rPr kumimoji="0" lang="nl-BE" altLang="nl-BE" b="1" i="0" u="none" strike="noStrike" cap="none" normalizeH="0" baseline="0" err="1">
+              <a:rPr kumimoji="0" lang="nl-BE" altLang="nl-BE" b="1" i="0" u="none" strike="noStrike" cap="none" normalizeH="0" baseline="0" dirty="0" err="1">
                 <a:ln>
                   <a:noFill/>
                 </a:ln>
@@ -9622,7 +9922,7 @@
               <a:t>would</a:t>
             </a:r>
             <a:r>
-              <a:rPr kumimoji="0" lang="nl-BE" altLang="nl-BE" b="1" i="0" u="none" strike="noStrike" cap="none" normalizeH="0" baseline="0">
+              <a:rPr kumimoji="0" lang="nl-BE" altLang="nl-BE" b="1" i="0" u="none" strike="noStrike" cap="none" normalizeH="0" baseline="0" dirty="0">
                 <a:ln>
                   <a:noFill/>
                 </a:ln>
@@ -9635,7 +9935,7 @@
               <a:t> </a:t>
             </a:r>
             <a:r>
-              <a:rPr kumimoji="0" lang="nl-BE" altLang="nl-BE" b="1" i="0" u="none" strike="noStrike" cap="none" normalizeH="0" baseline="0" err="1">
+              <a:rPr kumimoji="0" lang="nl-BE" altLang="nl-BE" b="1" i="0" u="none" strike="noStrike" cap="none" normalizeH="0" baseline="0" dirty="0" err="1">
                 <a:ln>
                   <a:noFill/>
                 </a:ln>
@@ -9648,7 +9948,7 @@
               <a:t>you</a:t>
             </a:r>
             <a:r>
-              <a:rPr kumimoji="0" lang="nl-BE" altLang="nl-BE" b="1" i="0" u="none" strike="noStrike" cap="none" normalizeH="0" baseline="0">
+              <a:rPr kumimoji="0" lang="nl-BE" altLang="nl-BE" b="1" i="0" u="none" strike="noStrike" cap="none" normalizeH="0" baseline="0" dirty="0">
                 <a:ln>
                   <a:noFill/>
                 </a:ln>
@@ -9661,7 +9961,7 @@
               <a:t> like </a:t>
             </a:r>
             <a:r>
-              <a:rPr kumimoji="0" lang="nl-BE" altLang="nl-BE" b="1" i="0" u="none" strike="noStrike" cap="none" normalizeH="0" baseline="0" err="1">
+              <a:rPr kumimoji="0" lang="nl-BE" altLang="nl-BE" b="1" i="0" u="none" strike="noStrike" cap="none" normalizeH="0" baseline="0" dirty="0" err="1">
                 <a:ln>
                   <a:noFill/>
                 </a:ln>
@@ -9674,7 +9974,7 @@
               <a:t>to</a:t>
             </a:r>
             <a:r>
-              <a:rPr kumimoji="0" lang="nl-BE" altLang="nl-BE" b="1" i="0" u="none" strike="noStrike" cap="none" normalizeH="0" baseline="0">
+              <a:rPr kumimoji="0" lang="nl-BE" altLang="nl-BE" b="1" i="0" u="none" strike="noStrike" cap="none" normalizeH="0" baseline="0" dirty="0">
                 <a:ln>
                   <a:noFill/>
                 </a:ln>
@@ -9687,7 +9987,7 @@
               <a:t> </a:t>
             </a:r>
             <a:r>
-              <a:rPr kumimoji="0" lang="nl-BE" altLang="nl-BE" b="1" i="0" u="none" strike="noStrike" cap="none" normalizeH="0" baseline="0" err="1">
+              <a:rPr kumimoji="0" lang="nl-BE" altLang="nl-BE" b="1" i="0" u="none" strike="noStrike" cap="none" normalizeH="0" baseline="0" dirty="0" err="1">
                 <a:ln>
                   <a:noFill/>
                 </a:ln>
@@ -9700,7 +10000,7 @@
               <a:t>add</a:t>
             </a:r>
             <a:r>
-              <a:rPr kumimoji="0" lang="nl-BE" altLang="nl-BE" b="1" i="0" u="none" strike="noStrike" cap="none" normalizeH="0" baseline="0">
+              <a:rPr kumimoji="0" lang="nl-BE" altLang="nl-BE" b="1" i="0" u="none" strike="noStrike" cap="none" normalizeH="0" baseline="0" dirty="0">
                 <a:ln>
                   <a:noFill/>
                 </a:ln>
@@ -9713,7 +10013,7 @@
               <a:t>? "</a:t>
             </a:r>
             <a:r>
-              <a:rPr kumimoji="0" lang="nl-BE" altLang="nl-BE" b="0" i="0" u="none" strike="noStrike" cap="none" normalizeH="0" baseline="0">
+              <a:rPr kumimoji="0" lang="nl-BE" altLang="nl-BE" b="0" i="0" u="none" strike="noStrike" cap="none" normalizeH="0" baseline="0" dirty="0">
                 <a:ln>
                   <a:noFill/>
                 </a:ln>
@@ -9726,7 +10026,7 @@
               <a:t>)</a:t>
             </a:r>
             <a:br>
-              <a:rPr kumimoji="0" lang="nl-BE" altLang="nl-BE" b="0" i="0" u="none" strike="noStrike" cap="none" normalizeH="0" baseline="0">
+              <a:rPr kumimoji="0" lang="nl-BE" altLang="nl-BE" b="0" i="0" u="none" strike="noStrike" cap="none" normalizeH="0" baseline="0" dirty="0">
                 <a:ln>
                   <a:noFill/>
                 </a:ln>
@@ -9738,7 +10038,7 @@
               </a:rPr>
             </a:br>
             <a:br>
-              <a:rPr kumimoji="0" lang="nl-BE" altLang="nl-BE" b="0" i="0" u="none" strike="noStrike" cap="none" normalizeH="0" baseline="0">
+              <a:rPr kumimoji="0" lang="nl-BE" altLang="nl-BE" b="0" i="0" u="none" strike="noStrike" cap="none" normalizeH="0" baseline="0" dirty="0">
                 <a:ln>
                   <a:noFill/>
                 </a:ln>
@@ -9750,7 +10050,7 @@
               </a:rPr>
             </a:br>
             <a:r>
-              <a:rPr kumimoji="0" lang="nl-BE" altLang="nl-BE" b="1" i="0" u="none" strike="noStrike" cap="none" normalizeH="0" baseline="0" err="1">
+              <a:rPr kumimoji="0" lang="nl-BE" altLang="nl-BE" b="1" i="0" u="none" strike="noStrike" cap="none" normalizeH="0" baseline="0" dirty="0" err="1">
                 <a:ln>
                   <a:noFill/>
                 </a:ln>
@@ -9763,7 +10063,7 @@
               <a:t>while</a:t>
             </a:r>
             <a:r>
-              <a:rPr kumimoji="0" lang="nl-BE" altLang="nl-BE" b="1" i="0" u="none" strike="noStrike" cap="none" normalizeH="0" baseline="0">
+              <a:rPr kumimoji="0" lang="nl-BE" altLang="nl-BE" b="1" i="0" u="none" strike="noStrike" cap="none" normalizeH="0" baseline="0" dirty="0">
                 <a:ln>
                   <a:noFill/>
                 </a:ln>
@@ -9776,7 +10076,7 @@
               <a:t> </a:t>
             </a:r>
             <a:r>
-              <a:rPr kumimoji="0" lang="nl-BE" altLang="nl-BE" b="1" i="0" u="none" strike="noStrike" cap="none" normalizeH="0" baseline="0" err="1">
+              <a:rPr kumimoji="0" lang="nl-BE" altLang="nl-BE" b="1" i="0" u="none" strike="noStrike" cap="none" normalizeH="0" baseline="0" dirty="0" err="1">
                 <a:ln>
                   <a:noFill/>
                 </a:ln>
@@ -9789,7 +10089,7 @@
               <a:t>not</a:t>
             </a:r>
             <a:r>
-              <a:rPr kumimoji="0" lang="nl-BE" altLang="nl-BE" b="1" i="0" u="none" strike="noStrike" cap="none" normalizeH="0" baseline="0">
+              <a:rPr kumimoji="0" lang="nl-BE" altLang="nl-BE" b="1" i="0" u="none" strike="noStrike" cap="none" normalizeH="0" baseline="0" dirty="0">
                 <a:ln>
                   <a:noFill/>
                 </a:ln>
@@ -9802,7 +10102,7 @@
               <a:t> </a:t>
             </a:r>
             <a:r>
-              <a:rPr kumimoji="0" lang="nl-BE" altLang="nl-BE" b="0" i="0" u="none" strike="noStrike" cap="none" normalizeH="0" baseline="0" err="1">
+              <a:rPr kumimoji="0" lang="nl-BE" altLang="nl-BE" b="0" i="0" u="none" strike="noStrike" cap="none" normalizeH="0" baseline="0" dirty="0" err="1">
                 <a:ln>
                   <a:noFill/>
                 </a:ln>
@@ -9815,7 +10115,7 @@
               <a:t>new_film</a:t>
             </a:r>
             <a:r>
-              <a:rPr kumimoji="0" lang="nl-BE" altLang="nl-BE" b="0" i="0" u="none" strike="noStrike" cap="none" normalizeH="0" baseline="0">
+              <a:rPr kumimoji="0" lang="nl-BE" altLang="nl-BE" b="0" i="0" u="none" strike="noStrike" cap="none" normalizeH="0" baseline="0" dirty="0">
                 <a:ln>
                   <a:noFill/>
                 </a:ln>
@@ -9828,7 +10128,7 @@
               <a:t> </a:t>
             </a:r>
             <a:r>
-              <a:rPr kumimoji="0" lang="nl-BE" altLang="nl-BE" b="1" i="0" u="none" strike="noStrike" cap="none" normalizeH="0" baseline="0">
+              <a:rPr kumimoji="0" lang="nl-BE" altLang="nl-BE" b="1" i="0" u="none" strike="noStrike" cap="none" normalizeH="0" baseline="0" dirty="0">
                 <a:ln>
                   <a:noFill/>
                 </a:ln>
@@ -9841,7 +10141,7 @@
               <a:t>in </a:t>
             </a:r>
             <a:r>
-              <a:rPr kumimoji="0" lang="nl-BE" altLang="nl-BE" b="0" i="0" u="none" strike="noStrike" cap="none" normalizeH="0" baseline="0">
+              <a:rPr kumimoji="0" lang="nl-BE" altLang="nl-BE" b="0" i="0" u="none" strike="noStrike" cap="none" normalizeH="0" baseline="0" dirty="0">
                 <a:ln>
                   <a:noFill/>
                 </a:ln>
@@ -9854,7 +10154,7 @@
               <a:t>films:     </a:t>
             </a:r>
             <a:r>
-              <a:rPr kumimoji="0" lang="nl-BE" altLang="nl-BE" b="0" i="0" u="none" strike="noStrike" cap="none" normalizeH="0" baseline="0">
+              <a:rPr kumimoji="0" lang="nl-BE" altLang="nl-BE" b="0" i="0" u="none" strike="noStrike" cap="none" normalizeH="0" baseline="0" dirty="0">
                 <a:ln>
                   <a:noFill/>
                 </a:ln>
@@ -9867,7 +10167,7 @@
               <a:t># PEP 8 -&gt; </a:t>
             </a:r>
             <a:r>
-              <a:rPr kumimoji="0" lang="nl-BE" altLang="nl-BE" b="0" i="0" u="none" strike="noStrike" cap="none" normalizeH="0" baseline="0" err="1">
+              <a:rPr kumimoji="0" lang="nl-BE" altLang="nl-BE" b="0" i="0" u="none" strike="noStrike" cap="none" normalizeH="0" baseline="0" dirty="0" err="1">
                 <a:ln>
                   <a:noFill/>
                 </a:ln>
@@ -9880,7 +10180,7 @@
               <a:t>while</a:t>
             </a:r>
             <a:r>
-              <a:rPr kumimoji="0" lang="nl-BE" altLang="nl-BE" b="0" i="0" u="none" strike="noStrike" cap="none" normalizeH="0" baseline="0">
+              <a:rPr kumimoji="0" lang="nl-BE" altLang="nl-BE" b="0" i="0" u="none" strike="noStrike" cap="none" normalizeH="0" baseline="0" dirty="0">
                 <a:ln>
                   <a:noFill/>
                 </a:ln>
@@ -9893,7 +10193,7 @@
               <a:t> </a:t>
             </a:r>
             <a:r>
-              <a:rPr kumimoji="0" lang="nl-BE" altLang="nl-BE" b="0" i="0" u="none" strike="noStrike" cap="none" normalizeH="0" baseline="0" err="1">
+              <a:rPr kumimoji="0" lang="nl-BE" altLang="nl-BE" b="0" i="0" u="none" strike="noStrike" cap="none" normalizeH="0" baseline="0" dirty="0" err="1">
                 <a:ln>
                   <a:noFill/>
                 </a:ln>
@@ -9906,7 +10206,7 @@
               <a:t>new_film</a:t>
             </a:r>
             <a:r>
-              <a:rPr kumimoji="0" lang="nl-BE" altLang="nl-BE" b="0" i="0" u="none" strike="noStrike" cap="none" normalizeH="0" baseline="0">
+              <a:rPr kumimoji="0" lang="nl-BE" altLang="nl-BE" b="0" i="0" u="none" strike="noStrike" cap="none" normalizeH="0" baseline="0" dirty="0">
                 <a:ln>
                   <a:noFill/>
                 </a:ln>
@@ -9919,7 +10219,7 @@
               <a:t> </a:t>
             </a:r>
             <a:r>
-              <a:rPr kumimoji="0" lang="nl-BE" altLang="nl-BE" b="1" i="0" u="none" strike="noStrike" cap="none" normalizeH="0" baseline="0" err="1">
+              <a:rPr kumimoji="0" lang="nl-BE" altLang="nl-BE" b="1" i="0" u="none" strike="noStrike" cap="none" normalizeH="0" baseline="0" dirty="0" err="1">
                 <a:ln>
                   <a:noFill/>
                 </a:ln>
@@ -9932,7 +10232,7 @@
               <a:t>not</a:t>
             </a:r>
             <a:r>
-              <a:rPr kumimoji="0" lang="nl-BE" altLang="nl-BE" b="1" i="0" u="none" strike="noStrike" cap="none" normalizeH="0" baseline="0">
+              <a:rPr kumimoji="0" lang="nl-BE" altLang="nl-BE" b="1" i="0" u="none" strike="noStrike" cap="none" normalizeH="0" baseline="0" dirty="0">
                 <a:ln>
                   <a:noFill/>
                 </a:ln>
@@ -9945,7 +10245,7 @@
               <a:t> in </a:t>
             </a:r>
             <a:r>
-              <a:rPr kumimoji="0" lang="nl-BE" altLang="nl-BE" b="0" i="0" u="none" strike="noStrike" cap="none" normalizeH="0" baseline="0">
+              <a:rPr kumimoji="0" lang="nl-BE" altLang="nl-BE" b="0" i="0" u="none" strike="noStrike" cap="none" normalizeH="0" baseline="0" dirty="0">
                 <a:ln>
                   <a:noFill/>
                 </a:ln>
@@ -9958,7 +10258,7 @@
               <a:t>films:</a:t>
             </a:r>
             <a:br>
-              <a:rPr kumimoji="0" lang="nl-BE" altLang="nl-BE" b="0" i="0" u="none" strike="noStrike" cap="none" normalizeH="0" baseline="0">
+              <a:rPr kumimoji="0" lang="nl-BE" altLang="nl-BE" b="0" i="0" u="none" strike="noStrike" cap="none" normalizeH="0" baseline="0" dirty="0">
                 <a:ln>
                   <a:noFill/>
                 </a:ln>
@@ -9970,7 +10270,7 @@
               </a:rPr>
             </a:br>
             <a:r>
-              <a:rPr kumimoji="0" lang="nl-BE" altLang="nl-BE" b="0" i="0" u="none" strike="noStrike" cap="none" normalizeH="0" baseline="0">
+              <a:rPr kumimoji="0" lang="nl-BE" altLang="nl-BE" b="0" i="0" u="none" strike="noStrike" cap="none" normalizeH="0" baseline="0" dirty="0">
                 <a:ln>
                   <a:noFill/>
                 </a:ln>
@@ -9983,7 +10283,7 @@
               <a:t>    </a:t>
             </a:r>
             <a:r>
-              <a:rPr kumimoji="0" lang="nl-BE" altLang="nl-BE" b="0" i="0" u="none" strike="noStrike" cap="none" normalizeH="0" baseline="0" err="1">
+              <a:rPr kumimoji="0" lang="nl-BE" altLang="nl-BE" b="0" i="0" u="none" strike="noStrike" cap="none" normalizeH="0" baseline="0" dirty="0" err="1">
                 <a:ln>
                   <a:noFill/>
                 </a:ln>
@@ -9996,7 +10296,7 @@
               <a:t>films.append</a:t>
             </a:r>
             <a:r>
-              <a:rPr kumimoji="0" lang="nl-BE" altLang="nl-BE" b="0" i="0" u="none" strike="noStrike" cap="none" normalizeH="0" baseline="0">
+              <a:rPr kumimoji="0" lang="nl-BE" altLang="nl-BE" b="0" i="0" u="none" strike="noStrike" cap="none" normalizeH="0" baseline="0" dirty="0">
                 <a:ln>
                   <a:noFill/>
                 </a:ln>
@@ -10009,7 +10309,7 @@
               <a:t>(</a:t>
             </a:r>
             <a:r>
-              <a:rPr kumimoji="0" lang="nl-BE" altLang="nl-BE" b="0" i="0" u="none" strike="noStrike" cap="none" normalizeH="0" baseline="0" err="1">
+              <a:rPr kumimoji="0" lang="nl-BE" altLang="nl-BE" b="0" i="0" u="none" strike="noStrike" cap="none" normalizeH="0" baseline="0" dirty="0" err="1">
                 <a:ln>
                   <a:noFill/>
                 </a:ln>
@@ -10022,7 +10322,7 @@
               <a:t>new_film</a:t>
             </a:r>
             <a:r>
-              <a:rPr kumimoji="0" lang="nl-BE" altLang="nl-BE" b="0" i="0" u="none" strike="noStrike" cap="none" normalizeH="0" baseline="0">
+              <a:rPr kumimoji="0" lang="nl-BE" altLang="nl-BE" b="0" i="0" u="none" strike="noStrike" cap="none" normalizeH="0" baseline="0" dirty="0">
                 <a:ln>
                   <a:noFill/>
                 </a:ln>
@@ -10035,7 +10335,7 @@
               <a:t>)</a:t>
             </a:r>
             <a:br>
-              <a:rPr kumimoji="0" lang="nl-BE" altLang="nl-BE" b="0" i="0" u="none" strike="noStrike" cap="none" normalizeH="0" baseline="0">
+              <a:rPr kumimoji="0" lang="nl-BE" altLang="nl-BE" b="0" i="0" u="none" strike="noStrike" cap="none" normalizeH="0" baseline="0" dirty="0">
                 <a:ln>
                   <a:noFill/>
                 </a:ln>
@@ -10047,7 +10347,7 @@
               </a:rPr>
             </a:br>
             <a:r>
-              <a:rPr kumimoji="0" lang="nl-BE" altLang="nl-BE" b="0" i="0" u="none" strike="noStrike" cap="none" normalizeH="0" baseline="0">
+              <a:rPr kumimoji="0" lang="nl-BE" altLang="nl-BE" b="0" i="0" u="none" strike="noStrike" cap="none" normalizeH="0" baseline="0" dirty="0">
                 <a:ln>
                   <a:noFill/>
                 </a:ln>
@@ -10060,7 +10360,7 @@
               <a:t>    </a:t>
             </a:r>
             <a:r>
-              <a:rPr kumimoji="0" lang="nl-BE" altLang="nl-BE" b="0" i="0" u="none" strike="noStrike" cap="none" normalizeH="0" baseline="0">
+              <a:rPr kumimoji="0" lang="nl-BE" altLang="nl-BE" b="0" i="0" u="none" strike="noStrike" cap="none" normalizeH="0" baseline="0" dirty="0">
                 <a:ln>
                   <a:noFill/>
                 </a:ln>
@@ -10073,7 +10373,7 @@
               <a:t>print</a:t>
             </a:r>
             <a:r>
-              <a:rPr kumimoji="0" lang="nl-BE" altLang="nl-BE" b="0" i="0" u="none" strike="noStrike" cap="none" normalizeH="0" baseline="0">
+              <a:rPr kumimoji="0" lang="nl-BE" altLang="nl-BE" b="0" i="0" u="none" strike="noStrike" cap="none" normalizeH="0" baseline="0" dirty="0">
                 <a:ln>
                   <a:noFill/>
                 </a:ln>
@@ -10086,7 +10386,7 @@
               <a:t>(</a:t>
             </a:r>
             <a:r>
-              <a:rPr kumimoji="0" lang="nl-BE" altLang="nl-BE" b="0" i="0" u="none" strike="noStrike" cap="none" normalizeH="0" baseline="0" err="1">
+              <a:rPr kumimoji="0" lang="nl-BE" altLang="nl-BE" b="0" i="0" u="none" strike="noStrike" cap="none" normalizeH="0" baseline="0" dirty="0" err="1">
                 <a:ln>
                   <a:noFill/>
                 </a:ln>
@@ -10099,7 +10399,7 @@
               <a:t>new_film</a:t>
             </a:r>
             <a:r>
-              <a:rPr kumimoji="0" lang="nl-BE" altLang="nl-BE" b="0" i="0" u="none" strike="noStrike" cap="none" normalizeH="0" baseline="0">
+              <a:rPr kumimoji="0" lang="nl-BE" altLang="nl-BE" b="0" i="0" u="none" strike="noStrike" cap="none" normalizeH="0" baseline="0" dirty="0">
                 <a:ln>
                   <a:noFill/>
                 </a:ln>
@@ -10112,7 +10412,7 @@
               <a:t>, </a:t>
             </a:r>
             <a:r>
-              <a:rPr kumimoji="0" lang="nl-BE" altLang="nl-BE" b="1" i="0" u="none" strike="noStrike" cap="none" normalizeH="0" baseline="0">
+              <a:rPr kumimoji="0" lang="nl-BE" altLang="nl-BE" b="1" i="0" u="none" strike="noStrike" cap="none" normalizeH="0" baseline="0" dirty="0">
                 <a:ln>
                   <a:noFill/>
                 </a:ln>
@@ -10125,7 +10425,7 @@
               <a:t>"has been </a:t>
             </a:r>
             <a:r>
-              <a:rPr kumimoji="0" lang="nl-BE" altLang="nl-BE" b="1" i="0" u="none" strike="noStrike" cap="none" normalizeH="0" baseline="0" err="1">
+              <a:rPr kumimoji="0" lang="nl-BE" altLang="nl-BE" b="1" i="0" u="none" strike="noStrike" cap="none" normalizeH="0" baseline="0" dirty="0" err="1">
                 <a:ln>
                   <a:noFill/>
                 </a:ln>
@@ -10138,7 +10438,7 @@
               <a:t>added</a:t>
             </a:r>
             <a:r>
-              <a:rPr kumimoji="0" lang="nl-BE" altLang="nl-BE" b="1" i="0" u="none" strike="noStrike" cap="none" normalizeH="0" baseline="0">
+              <a:rPr kumimoji="0" lang="nl-BE" altLang="nl-BE" b="1" i="0" u="none" strike="noStrike" cap="none" normalizeH="0" baseline="0" dirty="0">
                 <a:ln>
                   <a:noFill/>
                 </a:ln>
@@ -10151,7 +10451,7 @@
               <a:t>. </a:t>
             </a:r>
             <a:r>
-              <a:rPr lang="nl-BE" altLang="nl-BE" b="1">
+              <a:rPr lang="nl-BE" altLang="nl-BE" b="1" dirty="0">
                 <a:solidFill>
                   <a:srgbClr val="000080"/>
                 </a:solidFill>
@@ -10160,7 +10460,7 @@
               <a:t>\</a:t>
             </a:r>
             <a:r>
-              <a:rPr lang="nl-BE" altLang="nl-BE" b="1" err="1">
+              <a:rPr lang="nl-BE" altLang="nl-BE" b="1" dirty="0" err="1">
                 <a:solidFill>
                   <a:srgbClr val="000080"/>
                 </a:solidFill>
@@ -10169,7 +10469,7 @@
               <a:t>n</a:t>
             </a:r>
             <a:r>
-              <a:rPr kumimoji="0" lang="nl-BE" altLang="nl-BE" b="1" i="0" u="none" strike="noStrike" cap="none" normalizeH="0" baseline="0" err="1">
+              <a:rPr kumimoji="0" lang="nl-BE" altLang="nl-BE" b="1" i="0" u="none" strike="noStrike" cap="none" normalizeH="0" baseline="0" dirty="0" err="1">
                 <a:ln>
                   <a:noFill/>
                 </a:ln>
@@ -10182,7 +10482,7 @@
               <a:t>Your</a:t>
             </a:r>
             <a:r>
-              <a:rPr kumimoji="0" lang="nl-BE" altLang="nl-BE" b="1" i="0" u="none" strike="noStrike" cap="none" normalizeH="0" baseline="0">
+              <a:rPr kumimoji="0" lang="nl-BE" altLang="nl-BE" b="1" i="0" u="none" strike="noStrike" cap="none" normalizeH="0" baseline="0" dirty="0">
                 <a:ln>
                   <a:noFill/>
                 </a:ln>
@@ -10195,7 +10495,7 @@
               <a:t> </a:t>
             </a:r>
             <a:r>
-              <a:rPr kumimoji="0" lang="nl-BE" altLang="nl-BE" b="1" i="0" u="none" strike="noStrike" cap="none" normalizeH="0" baseline="0" err="1">
+              <a:rPr kumimoji="0" lang="nl-BE" altLang="nl-BE" b="1" i="0" u="none" strike="noStrike" cap="none" normalizeH="0" baseline="0" dirty="0" err="1">
                 <a:ln>
                   <a:noFill/>
                 </a:ln>
@@ -10208,7 +10508,7 @@
               <a:t>collection</a:t>
             </a:r>
             <a:r>
-              <a:rPr kumimoji="0" lang="nl-BE" altLang="nl-BE" b="1" i="0" u="none" strike="noStrike" cap="none" normalizeH="0" baseline="0">
+              <a:rPr kumimoji="0" lang="nl-BE" altLang="nl-BE" b="1" i="0" u="none" strike="noStrike" cap="none" normalizeH="0" baseline="0" dirty="0">
                 <a:ln>
                   <a:noFill/>
                 </a:ln>
@@ -10221,7 +10521,7 @@
               <a:t> </a:t>
             </a:r>
             <a:r>
-              <a:rPr kumimoji="0" lang="nl-BE" altLang="nl-BE" b="1" i="0" u="none" strike="noStrike" cap="none" normalizeH="0" baseline="0" err="1">
+              <a:rPr kumimoji="0" lang="nl-BE" altLang="nl-BE" b="1" i="0" u="none" strike="noStrike" cap="none" normalizeH="0" baseline="0" dirty="0" err="1">
                 <a:ln>
                   <a:noFill/>
                 </a:ln>
@@ -10234,7 +10534,7 @@
               <a:t>contains</a:t>
             </a:r>
             <a:r>
-              <a:rPr kumimoji="0" lang="nl-BE" altLang="nl-BE" b="1" i="0" u="none" strike="noStrike" cap="none" normalizeH="0" baseline="0">
+              <a:rPr kumimoji="0" lang="nl-BE" altLang="nl-BE" b="1" i="0" u="none" strike="noStrike" cap="none" normalizeH="0" baseline="0" dirty="0">
                 <a:ln>
                   <a:noFill/>
                 </a:ln>
@@ -10247,7 +10547,7 @@
               <a:t>"</a:t>
             </a:r>
             <a:r>
-              <a:rPr kumimoji="0" lang="nl-BE" altLang="nl-BE" b="0" i="0" u="none" strike="noStrike" cap="none" normalizeH="0" baseline="0">
+              <a:rPr kumimoji="0" lang="nl-BE" altLang="nl-BE" b="0" i="0" u="none" strike="noStrike" cap="none" normalizeH="0" baseline="0" dirty="0">
                 <a:ln>
                   <a:noFill/>
                 </a:ln>
@@ -10260,7 +10560,7 @@
               <a:t>, </a:t>
             </a:r>
             <a:r>
-              <a:rPr kumimoji="0" lang="nl-BE" altLang="nl-BE" b="0" i="0" u="none" strike="noStrike" cap="none" normalizeH="0" baseline="0" err="1">
+              <a:rPr kumimoji="0" lang="nl-BE" altLang="nl-BE" b="0" i="0" u="none" strike="noStrike" cap="none" normalizeH="0" baseline="0" dirty="0" err="1">
                 <a:ln>
                   <a:noFill/>
                 </a:ln>
@@ -10273,7 +10573,7 @@
               <a:t>len</a:t>
             </a:r>
             <a:r>
-              <a:rPr kumimoji="0" lang="nl-BE" altLang="nl-BE" b="0" i="0" u="none" strike="noStrike" cap="none" normalizeH="0" baseline="0">
+              <a:rPr kumimoji="0" lang="nl-BE" altLang="nl-BE" b="0" i="0" u="none" strike="noStrike" cap="none" normalizeH="0" baseline="0" dirty="0">
                 <a:ln>
                   <a:noFill/>
                 </a:ln>
@@ -10286,7 +10586,7 @@
               <a:t>(films), </a:t>
             </a:r>
             <a:r>
-              <a:rPr kumimoji="0" lang="nl-BE" altLang="nl-BE" b="1" i="0" u="none" strike="noStrike" cap="none" normalizeH="0" baseline="0">
+              <a:rPr kumimoji="0" lang="nl-BE" altLang="nl-BE" b="1" i="0" u="none" strike="noStrike" cap="none" normalizeH="0" baseline="0" dirty="0">
                 <a:ln>
                   <a:noFill/>
                 </a:ln>
@@ -10299,7 +10599,7 @@
               <a:t>"films."</a:t>
             </a:r>
             <a:r>
-              <a:rPr kumimoji="0" lang="nl-BE" altLang="nl-BE" b="0" i="0" u="none" strike="noStrike" cap="none" normalizeH="0" baseline="0">
+              <a:rPr kumimoji="0" lang="nl-BE" altLang="nl-BE" b="0" i="0" u="none" strike="noStrike" cap="none" normalizeH="0" baseline="0" dirty="0">
                 <a:ln>
                   <a:noFill/>
                 </a:ln>
@@ -10312,7 +10612,7 @@
               <a:t>)</a:t>
             </a:r>
             <a:br>
-              <a:rPr kumimoji="0" lang="nl-BE" altLang="nl-BE" b="0" i="0" u="none" strike="noStrike" cap="none" normalizeH="0" baseline="0">
+              <a:rPr kumimoji="0" lang="nl-BE" altLang="nl-BE" b="0" i="0" u="none" strike="noStrike" cap="none" normalizeH="0" baseline="0" dirty="0">
                 <a:ln>
                   <a:noFill/>
                 </a:ln>
@@ -10324,7 +10624,7 @@
               </a:rPr>
             </a:br>
             <a:r>
-              <a:rPr kumimoji="0" lang="nl-BE" altLang="nl-BE" b="0" i="0" u="none" strike="noStrike" cap="none" normalizeH="0" baseline="0">
+              <a:rPr kumimoji="0" lang="nl-BE" altLang="nl-BE" b="0" i="0" u="none" strike="noStrike" cap="none" normalizeH="0" baseline="0" dirty="0">
                 <a:ln>
                   <a:noFill/>
                 </a:ln>
@@ -10337,7 +10637,7 @@
               <a:t>    </a:t>
             </a:r>
             <a:r>
-              <a:rPr kumimoji="0" lang="nl-BE" altLang="nl-BE" b="0" i="0" u="none" strike="noStrike" cap="none" normalizeH="0" baseline="0" err="1">
+              <a:rPr kumimoji="0" lang="nl-BE" altLang="nl-BE" b="0" i="0" u="none" strike="noStrike" cap="none" normalizeH="0" baseline="0" dirty="0" err="1">
                 <a:ln>
                   <a:noFill/>
                 </a:ln>
@@ -10350,7 +10650,7 @@
               <a:t>new_film</a:t>
             </a:r>
             <a:r>
-              <a:rPr kumimoji="0" lang="nl-BE" altLang="nl-BE" b="0" i="0" u="none" strike="noStrike" cap="none" normalizeH="0" baseline="0">
+              <a:rPr kumimoji="0" lang="nl-BE" altLang="nl-BE" b="0" i="0" u="none" strike="noStrike" cap="none" normalizeH="0" baseline="0" dirty="0">
                 <a:ln>
                   <a:noFill/>
                 </a:ln>
@@ -10363,7 +10663,7 @@
               <a:t> = </a:t>
             </a:r>
             <a:r>
-              <a:rPr kumimoji="0" lang="nl-BE" altLang="nl-BE" b="0" i="0" u="none" strike="noStrike" cap="none" normalizeH="0" baseline="0">
+              <a:rPr kumimoji="0" lang="nl-BE" altLang="nl-BE" b="0" i="0" u="none" strike="noStrike" cap="none" normalizeH="0" baseline="0" dirty="0">
                 <a:ln>
                   <a:noFill/>
                 </a:ln>
@@ -10376,7 +10676,7 @@
               <a:t>input</a:t>
             </a:r>
             <a:r>
-              <a:rPr kumimoji="0" lang="nl-BE" altLang="nl-BE" b="0" i="0" u="none" strike="noStrike" cap="none" normalizeH="0" baseline="0">
+              <a:rPr kumimoji="0" lang="nl-BE" altLang="nl-BE" b="0" i="0" u="none" strike="noStrike" cap="none" normalizeH="0" baseline="0" dirty="0">
                 <a:ln>
                   <a:noFill/>
                 </a:ln>
@@ -10389,7 +10689,7 @@
               <a:t>(</a:t>
             </a:r>
             <a:r>
-              <a:rPr kumimoji="0" lang="nl-BE" altLang="nl-BE" b="1" i="0" u="none" strike="noStrike" cap="none" normalizeH="0" baseline="0">
+              <a:rPr kumimoji="0" lang="nl-BE" altLang="nl-BE" b="1" i="0" u="none" strike="noStrike" cap="none" normalizeH="0" baseline="0" dirty="0">
                 <a:ln>
                   <a:noFill/>
                 </a:ln>
@@ -10402,7 +10702,7 @@
               <a:t>"</a:t>
             </a:r>
             <a:r>
-              <a:rPr lang="nl-BE" altLang="nl-BE" b="1">
+              <a:rPr lang="nl-BE" altLang="nl-BE" b="1" dirty="0">
                 <a:solidFill>
                   <a:srgbClr val="000080"/>
                 </a:solidFill>
@@ -10411,7 +10711,7 @@
               <a:t>\</a:t>
             </a:r>
             <a:r>
-              <a:rPr lang="nl-BE" altLang="nl-BE" b="1" err="1">
+              <a:rPr lang="nl-BE" altLang="nl-BE" b="1" dirty="0" err="1">
                 <a:solidFill>
                   <a:srgbClr val="000080"/>
                 </a:solidFill>
@@ -10420,7 +10720,7 @@
               <a:t>n</a:t>
             </a:r>
             <a:r>
-              <a:rPr kumimoji="0" lang="nl-BE" altLang="nl-BE" b="1" i="0" u="none" strike="noStrike" cap="none" normalizeH="0" baseline="0" err="1">
+              <a:rPr kumimoji="0" lang="nl-BE" altLang="nl-BE" b="1" i="0" u="none" strike="noStrike" cap="none" normalizeH="0" baseline="0" dirty="0" err="1">
                 <a:ln>
                   <a:noFill/>
                 </a:ln>
@@ -10433,7 +10733,7 @@
               <a:t>Which</a:t>
             </a:r>
             <a:r>
-              <a:rPr kumimoji="0" lang="nl-BE" altLang="nl-BE" b="1" i="0" u="none" strike="noStrike" cap="none" normalizeH="0" baseline="0">
+              <a:rPr kumimoji="0" lang="nl-BE" altLang="nl-BE" b="1" i="0" u="none" strike="noStrike" cap="none" normalizeH="0" baseline="0" dirty="0">
                 <a:ln>
                   <a:noFill/>
                 </a:ln>
@@ -10446,7 +10746,7 @@
               <a:t> movie </a:t>
             </a:r>
             <a:r>
-              <a:rPr kumimoji="0" lang="nl-BE" altLang="nl-BE" b="1" i="0" u="none" strike="noStrike" cap="none" normalizeH="0" baseline="0" err="1">
+              <a:rPr kumimoji="0" lang="nl-BE" altLang="nl-BE" b="1" i="0" u="none" strike="noStrike" cap="none" normalizeH="0" baseline="0" dirty="0" err="1">
                 <a:ln>
                   <a:noFill/>
                 </a:ln>
@@ -10459,7 +10759,7 @@
               <a:t>would</a:t>
             </a:r>
             <a:r>
-              <a:rPr kumimoji="0" lang="nl-BE" altLang="nl-BE" b="1" i="0" u="none" strike="noStrike" cap="none" normalizeH="0" baseline="0">
+              <a:rPr kumimoji="0" lang="nl-BE" altLang="nl-BE" b="1" i="0" u="none" strike="noStrike" cap="none" normalizeH="0" baseline="0" dirty="0">
                 <a:ln>
                   <a:noFill/>
                 </a:ln>
@@ -10472,7 +10772,7 @@
               <a:t> </a:t>
             </a:r>
             <a:r>
-              <a:rPr kumimoji="0" lang="nl-BE" altLang="nl-BE" b="1" i="0" u="none" strike="noStrike" cap="none" normalizeH="0" baseline="0" err="1">
+              <a:rPr kumimoji="0" lang="nl-BE" altLang="nl-BE" b="1" i="0" u="none" strike="noStrike" cap="none" normalizeH="0" baseline="0" dirty="0" err="1">
                 <a:ln>
                   <a:noFill/>
                 </a:ln>
@@ -10485,7 +10785,7 @@
               <a:t>you</a:t>
             </a:r>
             <a:r>
-              <a:rPr kumimoji="0" lang="nl-BE" altLang="nl-BE" b="1" i="0" u="none" strike="noStrike" cap="none" normalizeH="0" baseline="0">
+              <a:rPr kumimoji="0" lang="nl-BE" altLang="nl-BE" b="1" i="0" u="none" strike="noStrike" cap="none" normalizeH="0" baseline="0" dirty="0">
                 <a:ln>
                   <a:noFill/>
                 </a:ln>
@@ -10498,7 +10798,7 @@
               <a:t> like </a:t>
             </a:r>
             <a:r>
-              <a:rPr kumimoji="0" lang="nl-BE" altLang="nl-BE" b="1" i="0" u="none" strike="noStrike" cap="none" normalizeH="0" baseline="0" err="1">
+              <a:rPr kumimoji="0" lang="nl-BE" altLang="nl-BE" b="1" i="0" u="none" strike="noStrike" cap="none" normalizeH="0" baseline="0" dirty="0" err="1">
                 <a:ln>
                   <a:noFill/>
                 </a:ln>
@@ -10511,7 +10811,7 @@
               <a:t>to</a:t>
             </a:r>
             <a:r>
-              <a:rPr kumimoji="0" lang="nl-BE" altLang="nl-BE" b="1" i="0" u="none" strike="noStrike" cap="none" normalizeH="0" baseline="0">
+              <a:rPr kumimoji="0" lang="nl-BE" altLang="nl-BE" b="1" i="0" u="none" strike="noStrike" cap="none" normalizeH="0" baseline="0" dirty="0">
                 <a:ln>
                   <a:noFill/>
                 </a:ln>
@@ -10524,7 +10824,7 @@
               <a:t> </a:t>
             </a:r>
             <a:r>
-              <a:rPr kumimoji="0" lang="nl-BE" altLang="nl-BE" b="1" i="0" u="none" strike="noStrike" cap="none" normalizeH="0" baseline="0" err="1">
+              <a:rPr kumimoji="0" lang="nl-BE" altLang="nl-BE" b="1" i="0" u="none" strike="noStrike" cap="none" normalizeH="0" baseline="0" dirty="0" err="1">
                 <a:ln>
                   <a:noFill/>
                 </a:ln>
@@ -10537,7 +10837,7 @@
               <a:t>add</a:t>
             </a:r>
             <a:r>
-              <a:rPr kumimoji="0" lang="nl-BE" altLang="nl-BE" b="1" i="0" u="none" strike="noStrike" cap="none" normalizeH="0" baseline="0">
+              <a:rPr kumimoji="0" lang="nl-BE" altLang="nl-BE" b="1" i="0" u="none" strike="noStrike" cap="none" normalizeH="0" baseline="0" dirty="0">
                 <a:ln>
                   <a:noFill/>
                 </a:ln>
@@ -10550,7 +10850,7 @@
               <a:t>? "</a:t>
             </a:r>
             <a:r>
-              <a:rPr kumimoji="0" lang="nl-BE" altLang="nl-BE" b="0" i="0" u="none" strike="noStrike" cap="none" normalizeH="0" baseline="0">
+              <a:rPr kumimoji="0" lang="nl-BE" altLang="nl-BE" b="0" i="0" u="none" strike="noStrike" cap="none" normalizeH="0" baseline="0" dirty="0">
                 <a:ln>
                   <a:noFill/>
                 </a:ln>
@@ -10563,7 +10863,7 @@
               <a:t>)</a:t>
             </a:r>
             <a:br>
-              <a:rPr kumimoji="0" lang="nl-BE" altLang="nl-BE" b="0" i="0" u="none" strike="noStrike" cap="none" normalizeH="0" baseline="0">
+              <a:rPr kumimoji="0" lang="nl-BE" altLang="nl-BE" b="0" i="0" u="none" strike="noStrike" cap="none" normalizeH="0" baseline="0" dirty="0">
                 <a:ln>
                   <a:noFill/>
                 </a:ln>
@@ -10575,7 +10875,7 @@
               </a:rPr>
             </a:br>
             <a:br>
-              <a:rPr kumimoji="0" lang="nl-BE" altLang="nl-BE" b="0" i="0" u="none" strike="noStrike" cap="none" normalizeH="0" baseline="0">
+              <a:rPr kumimoji="0" lang="nl-BE" altLang="nl-BE" b="0" i="0" u="none" strike="noStrike" cap="none" normalizeH="0" baseline="0" dirty="0">
                 <a:ln>
                   <a:noFill/>
                 </a:ln>
@@ -10587,7 +10887,7 @@
               </a:rPr>
             </a:br>
             <a:r>
-              <a:rPr kumimoji="0" lang="nl-BE" altLang="nl-BE" b="0" i="1" u="none" strike="noStrike" cap="none" normalizeH="0" baseline="0">
+              <a:rPr kumimoji="0" lang="nl-BE" altLang="nl-BE" b="0" i="1" u="none" strike="noStrike" cap="none" normalizeH="0" baseline="0" dirty="0">
                 <a:ln>
                   <a:noFill/>
                 </a:ln>
@@ -10600,7 +10900,7 @@
               <a:t># </a:t>
             </a:r>
             <a:r>
-              <a:rPr kumimoji="0" lang="nl-BE" altLang="nl-BE" b="0" i="1" u="none" strike="noStrike" cap="none" normalizeH="0" baseline="0" err="1">
+              <a:rPr kumimoji="0" lang="nl-BE" altLang="nl-BE" b="0" i="1" u="none" strike="noStrike" cap="none" normalizeH="0" baseline="0" dirty="0" err="1">
                 <a:ln>
                   <a:noFill/>
                 </a:ln>
@@ -10613,7 +10913,7 @@
               <a:t>when</a:t>
             </a:r>
             <a:r>
-              <a:rPr kumimoji="0" lang="nl-BE" altLang="nl-BE" b="0" i="1" u="none" strike="noStrike" cap="none" normalizeH="0" baseline="0">
+              <a:rPr kumimoji="0" lang="nl-BE" altLang="nl-BE" b="0" i="1" u="none" strike="noStrike" cap="none" normalizeH="0" baseline="0" dirty="0">
                 <a:ln>
                   <a:noFill/>
                 </a:ln>
@@ -10626,7 +10926,7 @@
               <a:t> </a:t>
             </a:r>
             <a:r>
-              <a:rPr kumimoji="0" lang="nl-BE" altLang="nl-BE" b="0" i="1" u="none" strike="noStrike" cap="none" normalizeH="0" baseline="0" err="1">
+              <a:rPr kumimoji="0" lang="nl-BE" altLang="nl-BE" b="0" i="1" u="none" strike="noStrike" cap="none" normalizeH="0" baseline="0" dirty="0" err="1">
                 <a:ln>
                   <a:noFill/>
                 </a:ln>
@@ -10639,7 +10939,7 @@
               <a:t>an</a:t>
             </a:r>
             <a:r>
-              <a:rPr kumimoji="0" lang="nl-BE" altLang="nl-BE" b="0" i="1" u="none" strike="noStrike" cap="none" normalizeH="0" baseline="0">
+              <a:rPr kumimoji="0" lang="nl-BE" altLang="nl-BE" b="0" i="1" u="none" strike="noStrike" cap="none" normalizeH="0" baseline="0" dirty="0">
                 <a:ln>
                   <a:noFill/>
                 </a:ln>
@@ -10652,7 +10952,7 @@
               <a:t> </a:t>
             </a:r>
             <a:r>
-              <a:rPr kumimoji="0" lang="nl-BE" altLang="nl-BE" b="0" i="1" u="none" strike="noStrike" cap="none" normalizeH="0" baseline="0" err="1">
+              <a:rPr kumimoji="0" lang="nl-BE" altLang="nl-BE" b="0" i="1" u="none" strike="noStrike" cap="none" normalizeH="0" baseline="0" dirty="0" err="1">
                 <a:ln>
                   <a:noFill/>
                 </a:ln>
@@ -10665,7 +10965,7 @@
               <a:t>existing</a:t>
             </a:r>
             <a:r>
-              <a:rPr kumimoji="0" lang="nl-BE" altLang="nl-BE" b="0" i="1" u="none" strike="noStrike" cap="none" normalizeH="0" baseline="0">
+              <a:rPr kumimoji="0" lang="nl-BE" altLang="nl-BE" b="0" i="1" u="none" strike="noStrike" cap="none" normalizeH="0" baseline="0" dirty="0">
                 <a:ln>
                   <a:noFill/>
                 </a:ln>
@@ -10678,7 +10978,7 @@
               <a:t> movie is </a:t>
             </a:r>
             <a:r>
-              <a:rPr kumimoji="0" lang="nl-BE" altLang="nl-BE" b="0" i="1" u="none" strike="noStrike" cap="none" normalizeH="0" baseline="0" err="1">
+              <a:rPr kumimoji="0" lang="nl-BE" altLang="nl-BE" b="0" i="1" u="none" strike="noStrike" cap="none" normalizeH="0" baseline="0" dirty="0" err="1">
                 <a:ln>
                   <a:noFill/>
                 </a:ln>
@@ -10691,7 +10991,7 @@
               <a:t>entered</a:t>
             </a:r>
             <a:r>
-              <a:rPr kumimoji="0" lang="nl-BE" altLang="nl-BE" b="0" i="1" u="none" strike="noStrike" cap="none" normalizeH="0" baseline="0">
+              <a:rPr kumimoji="0" lang="nl-BE" altLang="nl-BE" b="0" i="1" u="none" strike="noStrike" cap="none" normalizeH="0" baseline="0" dirty="0">
                 <a:ln>
                   <a:noFill/>
                 </a:ln>
@@ -10704,7 +11004,7 @@
               <a:t>, we show </a:t>
             </a:r>
             <a:r>
-              <a:rPr kumimoji="0" lang="nl-BE" altLang="nl-BE" b="0" i="1" u="none" strike="noStrike" cap="none" normalizeH="0" baseline="0" err="1">
+              <a:rPr kumimoji="0" lang="nl-BE" altLang="nl-BE" b="0" i="1" u="none" strike="noStrike" cap="none" normalizeH="0" baseline="0" dirty="0" err="1">
                 <a:ln>
                   <a:noFill/>
                 </a:ln>
@@ -10717,7 +11017,7 @@
               <a:t>the</a:t>
             </a:r>
             <a:r>
-              <a:rPr kumimoji="0" lang="nl-BE" altLang="nl-BE" b="0" i="1" u="none" strike="noStrike" cap="none" normalizeH="0" baseline="0">
+              <a:rPr kumimoji="0" lang="nl-BE" altLang="nl-BE" b="0" i="1" u="none" strike="noStrike" cap="none" normalizeH="0" baseline="0" dirty="0">
                 <a:ln>
                   <a:noFill/>
                 </a:ln>
@@ -10730,7 +11030,7 @@
               <a:t> </a:t>
             </a:r>
             <a:r>
-              <a:rPr kumimoji="0" lang="nl-BE" altLang="nl-BE" b="0" i="1" u="none" strike="noStrike" cap="none" normalizeH="0" baseline="0" err="1">
+              <a:rPr kumimoji="0" lang="nl-BE" altLang="nl-BE" b="0" i="1" u="none" strike="noStrike" cap="none" normalizeH="0" baseline="0" dirty="0" err="1">
                 <a:ln>
                   <a:noFill/>
                 </a:ln>
@@ -10743,7 +11043,7 @@
               <a:t>overview</a:t>
             </a:r>
             <a:br>
-              <a:rPr kumimoji="0" lang="nl-BE" altLang="nl-BE" b="0" i="1" u="none" strike="noStrike" cap="none" normalizeH="0" baseline="0">
+              <a:rPr kumimoji="0" lang="nl-BE" altLang="nl-BE" b="0" i="1" u="none" strike="noStrike" cap="none" normalizeH="0" baseline="0" dirty="0">
                 <a:ln>
                   <a:noFill/>
                 </a:ln>
@@ -10755,7 +11055,7 @@
               </a:rPr>
             </a:br>
             <a:r>
-              <a:rPr kumimoji="0" lang="nl-BE" altLang="nl-BE" b="0" i="0" u="none" strike="noStrike" cap="none" normalizeH="0" baseline="0">
+              <a:rPr kumimoji="0" lang="nl-BE" altLang="nl-BE" b="0" i="0" u="none" strike="noStrike" cap="none" normalizeH="0" baseline="0" dirty="0">
                 <a:ln>
                   <a:noFill/>
                 </a:ln>
@@ -10768,7 +11068,7 @@
               <a:t>print</a:t>
             </a:r>
             <a:r>
-              <a:rPr kumimoji="0" lang="nl-BE" altLang="nl-BE" b="0" i="0" u="none" strike="noStrike" cap="none" normalizeH="0" baseline="0">
+              <a:rPr kumimoji="0" lang="nl-BE" altLang="nl-BE" b="0" i="0" u="none" strike="noStrike" cap="none" normalizeH="0" baseline="0" dirty="0">
                 <a:ln>
                   <a:noFill/>
                 </a:ln>
@@ -10781,7 +11081,7 @@
               <a:t>(</a:t>
             </a:r>
             <a:r>
-              <a:rPr kumimoji="0" lang="nl-BE" altLang="nl-BE" b="1" i="0" u="none" strike="noStrike" cap="none" normalizeH="0" baseline="0">
+              <a:rPr kumimoji="0" lang="nl-BE" altLang="nl-BE" b="1" i="0" u="none" strike="noStrike" cap="none" normalizeH="0" baseline="0" dirty="0">
                 <a:ln>
                   <a:noFill/>
                 </a:ln>
@@ -10794,7 +11094,7 @@
               <a:t>"</a:t>
             </a:r>
             <a:r>
-              <a:rPr kumimoji="0" lang="nl-BE" altLang="nl-BE" b="1" i="0" u="none" strike="noStrike" cap="none" normalizeH="0" baseline="0" err="1">
+              <a:rPr kumimoji="0" lang="nl-BE" altLang="nl-BE" b="1" i="0" u="none" strike="noStrike" cap="none" normalizeH="0" baseline="0" dirty="0" err="1">
                 <a:ln>
                   <a:noFill/>
                 </a:ln>
@@ -10807,7 +11107,7 @@
               <a:t>This</a:t>
             </a:r>
             <a:r>
-              <a:rPr kumimoji="0" lang="nl-BE" altLang="nl-BE" b="1" i="0" u="none" strike="noStrike" cap="none" normalizeH="0" baseline="0">
+              <a:rPr kumimoji="0" lang="nl-BE" altLang="nl-BE" b="1" i="0" u="none" strike="noStrike" cap="none" normalizeH="0" baseline="0" dirty="0">
                 <a:ln>
                   <a:noFill/>
                 </a:ln>
@@ -10820,7 +11120,7 @@
               <a:t> film is </a:t>
             </a:r>
             <a:r>
-              <a:rPr kumimoji="0" lang="nl-BE" altLang="nl-BE" b="1" i="0" u="none" strike="noStrike" cap="none" normalizeH="0" baseline="0" err="1">
+              <a:rPr kumimoji="0" lang="nl-BE" altLang="nl-BE" b="1" i="0" u="none" strike="noStrike" cap="none" normalizeH="0" baseline="0" dirty="0" err="1">
                 <a:ln>
                   <a:noFill/>
                 </a:ln>
@@ -10833,7 +11133,7 @@
               <a:t>already</a:t>
             </a:r>
             <a:r>
-              <a:rPr kumimoji="0" lang="nl-BE" altLang="nl-BE" b="1" i="0" u="none" strike="noStrike" cap="none" normalizeH="0" baseline="0">
+              <a:rPr kumimoji="0" lang="nl-BE" altLang="nl-BE" b="1" i="0" u="none" strike="noStrike" cap="none" normalizeH="0" baseline="0" dirty="0">
                 <a:ln>
                   <a:noFill/>
                 </a:ln>
@@ -10846,7 +11146,7 @@
               <a:t> in </a:t>
             </a:r>
             <a:r>
-              <a:rPr kumimoji="0" lang="nl-BE" altLang="nl-BE" b="1" i="0" u="none" strike="noStrike" cap="none" normalizeH="0" baseline="0" err="1">
+              <a:rPr kumimoji="0" lang="nl-BE" altLang="nl-BE" b="1" i="0" u="none" strike="noStrike" cap="none" normalizeH="0" baseline="0" dirty="0" err="1">
                 <a:ln>
                   <a:noFill/>
                 </a:ln>
@@ -10859,7 +11159,7 @@
               <a:t>your</a:t>
             </a:r>
             <a:r>
-              <a:rPr kumimoji="0" lang="nl-BE" altLang="nl-BE" b="1" i="0" u="none" strike="noStrike" cap="none" normalizeH="0" baseline="0">
+              <a:rPr kumimoji="0" lang="nl-BE" altLang="nl-BE" b="1" i="0" u="none" strike="noStrike" cap="none" normalizeH="0" baseline="0" dirty="0">
                 <a:ln>
                   <a:noFill/>
                 </a:ln>
@@ -10872,7 +11172,7 @@
               <a:t> </a:t>
             </a:r>
             <a:r>
-              <a:rPr kumimoji="0" lang="nl-BE" altLang="nl-BE" b="1" i="0" u="none" strike="noStrike" cap="none" normalizeH="0" baseline="0" err="1">
+              <a:rPr kumimoji="0" lang="nl-BE" altLang="nl-BE" b="1" i="0" u="none" strike="noStrike" cap="none" normalizeH="0" baseline="0" dirty="0" err="1">
                 <a:ln>
                   <a:noFill/>
                 </a:ln>
@@ -10885,7 +11185,7 @@
               <a:t>collection</a:t>
             </a:r>
             <a:r>
-              <a:rPr kumimoji="0" lang="nl-BE" altLang="nl-BE" b="1" i="0" u="none" strike="noStrike" cap="none" normalizeH="0" baseline="0">
+              <a:rPr kumimoji="0" lang="nl-BE" altLang="nl-BE" b="1" i="0" u="none" strike="noStrike" cap="none" normalizeH="0" baseline="0" dirty="0">
                 <a:ln>
                   <a:noFill/>
                 </a:ln>
@@ -10898,7 +11198,7 @@
               <a:t>!"</a:t>
             </a:r>
             <a:r>
-              <a:rPr kumimoji="0" lang="nl-BE" altLang="nl-BE" b="0" i="0" u="none" strike="noStrike" cap="none" normalizeH="0" baseline="0">
+              <a:rPr kumimoji="0" lang="nl-BE" altLang="nl-BE" b="0" i="0" u="none" strike="noStrike" cap="none" normalizeH="0" baseline="0" dirty="0">
                 <a:ln>
                   <a:noFill/>
                 </a:ln>
@@ -10911,7 +11211,7 @@
               <a:t>)</a:t>
             </a:r>
             <a:br>
-              <a:rPr kumimoji="0" lang="nl-BE" altLang="nl-BE" b="0" i="0" u="none" strike="noStrike" cap="none" normalizeH="0" baseline="0">
+              <a:rPr kumimoji="0" lang="nl-BE" altLang="nl-BE" b="0" i="0" u="none" strike="noStrike" cap="none" normalizeH="0" baseline="0" dirty="0">
                 <a:ln>
                   <a:noFill/>
                 </a:ln>
@@ -10923,7 +11223,7 @@
               </a:rPr>
             </a:br>
             <a:r>
-              <a:rPr kumimoji="0" lang="nl-BE" altLang="nl-BE" b="0" i="0" u="none" strike="noStrike" cap="none" normalizeH="0" baseline="0">
+              <a:rPr kumimoji="0" lang="nl-BE" altLang="nl-BE" b="0" i="0" u="none" strike="noStrike" cap="none" normalizeH="0" baseline="0" dirty="0">
                 <a:ln>
                   <a:noFill/>
                 </a:ln>
@@ -10936,7 +11236,7 @@
               <a:t>print</a:t>
             </a:r>
             <a:r>
-              <a:rPr kumimoji="0" lang="nl-BE" altLang="nl-BE" b="0" i="0" u="none" strike="noStrike" cap="none" normalizeH="0" baseline="0">
+              <a:rPr kumimoji="0" lang="nl-BE" altLang="nl-BE" b="0" i="0" u="none" strike="noStrike" cap="none" normalizeH="0" baseline="0" dirty="0">
                 <a:ln>
                   <a:noFill/>
                 </a:ln>
@@ -10949,7 +11249,7 @@
               <a:t>(</a:t>
             </a:r>
             <a:r>
-              <a:rPr kumimoji="0" lang="nl-BE" altLang="nl-BE" b="1" i="0" u="none" strike="noStrike" cap="none" normalizeH="0" baseline="0">
+              <a:rPr kumimoji="0" lang="nl-BE" altLang="nl-BE" b="1" i="0" u="none" strike="noStrike" cap="none" normalizeH="0" baseline="0" dirty="0">
                 <a:ln>
                   <a:noFill/>
                 </a:ln>
@@ -10962,7 +11262,7 @@
               <a:t>"</a:t>
             </a:r>
             <a:r>
-              <a:rPr kumimoji="0" lang="nl-BE" altLang="nl-BE" b="1" i="0" u="none" strike="noStrike" cap="none" normalizeH="0" baseline="0" err="1">
+              <a:rPr kumimoji="0" lang="nl-BE" altLang="nl-BE" b="1" i="0" u="none" strike="noStrike" cap="none" normalizeH="0" baseline="0" dirty="0" err="1">
                 <a:ln>
                   <a:noFill/>
                 </a:ln>
@@ -10975,7 +11275,7 @@
               <a:t>Overview</a:t>
             </a:r>
             <a:r>
-              <a:rPr kumimoji="0" lang="nl-BE" altLang="nl-BE" b="1" i="0" u="none" strike="noStrike" cap="none" normalizeH="0" baseline="0">
+              <a:rPr kumimoji="0" lang="nl-BE" altLang="nl-BE" b="1" i="0" u="none" strike="noStrike" cap="none" normalizeH="0" baseline="0" dirty="0">
                 <a:ln>
                   <a:noFill/>
                 </a:ln>
@@ -10988,7 +11288,7 @@
               <a:t> </a:t>
             </a:r>
             <a:r>
-              <a:rPr kumimoji="0" lang="nl-BE" altLang="nl-BE" b="1" i="0" u="none" strike="noStrike" cap="none" normalizeH="0" baseline="0" err="1">
+              <a:rPr kumimoji="0" lang="nl-BE" altLang="nl-BE" b="1" i="0" u="none" strike="noStrike" cap="none" normalizeH="0" baseline="0" dirty="0" err="1">
                 <a:ln>
                   <a:noFill/>
                 </a:ln>
@@ -11001,7 +11301,7 @@
               <a:t>collection</a:t>
             </a:r>
             <a:r>
-              <a:rPr kumimoji="0" lang="nl-BE" altLang="nl-BE" b="1" i="0" u="none" strike="noStrike" cap="none" normalizeH="0" baseline="0">
+              <a:rPr kumimoji="0" lang="nl-BE" altLang="nl-BE" b="1" i="0" u="none" strike="noStrike" cap="none" normalizeH="0" baseline="0" dirty="0">
                 <a:ln>
                   <a:noFill/>
                 </a:ln>
@@ -11014,7 +11314,7 @@
               <a:t>"</a:t>
             </a:r>
             <a:r>
-              <a:rPr kumimoji="0" lang="nl-BE" altLang="nl-BE" b="0" i="0" u="none" strike="noStrike" cap="none" normalizeH="0" baseline="0">
+              <a:rPr kumimoji="0" lang="nl-BE" altLang="nl-BE" b="0" i="0" u="none" strike="noStrike" cap="none" normalizeH="0" baseline="0" dirty="0">
                 <a:ln>
                   <a:noFill/>
                 </a:ln>
@@ -11027,7 +11327,7 @@
               <a:t>)</a:t>
             </a:r>
             <a:br>
-              <a:rPr kumimoji="0" lang="nl-BE" altLang="nl-BE" b="0" i="0" u="none" strike="noStrike" cap="none" normalizeH="0" baseline="0">
+              <a:rPr kumimoji="0" lang="nl-BE" altLang="nl-BE" b="0" i="0" u="none" strike="noStrike" cap="none" normalizeH="0" baseline="0" dirty="0">
                 <a:ln>
                   <a:noFill/>
                 </a:ln>
@@ -11039,7 +11339,7 @@
               </a:rPr>
             </a:br>
             <a:r>
-              <a:rPr kumimoji="0" lang="nl-BE" altLang="nl-BE" b="1" i="0" u="none" strike="noStrike" cap="none" normalizeH="0" baseline="0" err="1">
+              <a:rPr kumimoji="0" lang="nl-BE" altLang="nl-BE" b="1" i="0" u="none" strike="noStrike" cap="none" normalizeH="0" baseline="0" dirty="0" err="1">
                 <a:ln>
                   <a:noFill/>
                 </a:ln>
@@ -11052,7 +11352,7 @@
               <a:t>for</a:t>
             </a:r>
             <a:r>
-              <a:rPr kumimoji="0" lang="nl-BE" altLang="nl-BE" b="1" i="0" u="none" strike="noStrike" cap="none" normalizeH="0" baseline="0">
+              <a:rPr kumimoji="0" lang="nl-BE" altLang="nl-BE" b="1" i="0" u="none" strike="noStrike" cap="none" normalizeH="0" baseline="0" dirty="0">
                 <a:ln>
                   <a:noFill/>
                 </a:ln>
@@ -11065,7 +11365,7 @@
               <a:t> </a:t>
             </a:r>
             <a:r>
-              <a:rPr kumimoji="0" lang="nl-BE" altLang="nl-BE" b="0" i="0" u="none" strike="noStrike" cap="none" normalizeH="0" baseline="0">
+              <a:rPr kumimoji="0" lang="nl-BE" altLang="nl-BE" b="0" i="0" u="none" strike="noStrike" cap="none" normalizeH="0" baseline="0" dirty="0">
                 <a:ln>
                   <a:noFill/>
                 </a:ln>
@@ -11078,7 +11378,7 @@
               <a:t>film </a:t>
             </a:r>
             <a:r>
-              <a:rPr kumimoji="0" lang="nl-BE" altLang="nl-BE" b="1" i="0" u="none" strike="noStrike" cap="none" normalizeH="0" baseline="0">
+              <a:rPr kumimoji="0" lang="nl-BE" altLang="nl-BE" b="1" i="0" u="none" strike="noStrike" cap="none" normalizeH="0" baseline="0" dirty="0">
                 <a:ln>
                   <a:noFill/>
                 </a:ln>
@@ -11091,7 +11391,7 @@
               <a:t>in </a:t>
             </a:r>
             <a:r>
-              <a:rPr kumimoji="0" lang="nl-BE" altLang="nl-BE" b="0" i="0" u="none" strike="noStrike" cap="none" normalizeH="0" baseline="0">
+              <a:rPr kumimoji="0" lang="nl-BE" altLang="nl-BE" b="0" i="0" u="none" strike="noStrike" cap="none" normalizeH="0" baseline="0" dirty="0">
                 <a:ln>
                   <a:noFill/>
                 </a:ln>
@@ -11104,7 +11404,7 @@
               <a:t>films:</a:t>
             </a:r>
             <a:br>
-              <a:rPr kumimoji="0" lang="nl-BE" altLang="nl-BE" b="0" i="0" u="none" strike="noStrike" cap="none" normalizeH="0" baseline="0">
+              <a:rPr kumimoji="0" lang="nl-BE" altLang="nl-BE" b="0" i="0" u="none" strike="noStrike" cap="none" normalizeH="0" baseline="0" dirty="0">
                 <a:ln>
                   <a:noFill/>
                 </a:ln>
@@ -11116,7 +11416,7 @@
               </a:rPr>
             </a:br>
             <a:r>
-              <a:rPr kumimoji="0" lang="nl-BE" altLang="nl-BE" b="0" i="0" u="none" strike="noStrike" cap="none" normalizeH="0" baseline="0">
+              <a:rPr kumimoji="0" lang="nl-BE" altLang="nl-BE" b="0" i="0" u="none" strike="noStrike" cap="none" normalizeH="0" baseline="0" dirty="0">
                 <a:ln>
                   <a:noFill/>
                 </a:ln>
@@ -11129,7 +11429,7 @@
               <a:t>    </a:t>
             </a:r>
             <a:r>
-              <a:rPr kumimoji="0" lang="nl-BE" altLang="nl-BE" b="0" i="0" u="none" strike="noStrike" cap="none" normalizeH="0" baseline="0">
+              <a:rPr kumimoji="0" lang="nl-BE" altLang="nl-BE" b="0" i="0" u="none" strike="noStrike" cap="none" normalizeH="0" baseline="0" dirty="0">
                 <a:ln>
                   <a:noFill/>
                 </a:ln>
@@ -11142,7 +11442,7 @@
               <a:t>print</a:t>
             </a:r>
             <a:r>
-              <a:rPr kumimoji="0" lang="nl-BE" altLang="nl-BE" b="0" i="0" u="none" strike="noStrike" cap="none" normalizeH="0" baseline="0">
+              <a:rPr kumimoji="0" lang="nl-BE" altLang="nl-BE" b="0" i="0" u="none" strike="noStrike" cap="none" normalizeH="0" baseline="0" dirty="0">
                 <a:ln>
                   <a:noFill/>
                 </a:ln>
@@ -11154,7 +11454,7 @@
               </a:rPr>
               <a:t>(film)</a:t>
             </a:r>
-            <a:endParaRPr kumimoji="0" lang="nl-BE" altLang="nl-BE" b="0" i="0" u="none" strike="noStrike" cap="none" normalizeH="0" baseline="0">
+            <a:endParaRPr kumimoji="0" lang="nl-BE" altLang="nl-BE" b="0" i="0" u="none" strike="noStrike" cap="none" normalizeH="0" baseline="0" dirty="0">
               <a:ln>
                 <a:noFill/>
               </a:ln>
@@ -12404,7 +12704,7 @@
           <p:nvPr>
             <p:extLst>
               <p:ext uri="{D42A27DB-BD31-4B8C-83A1-F6EECF244321}">
-                <p14:modId xmlns:p14="http://schemas.microsoft.com/office/powerpoint/2010/main" val="1092039525"/>
+                <p14:modId xmlns:p14="http://schemas.microsoft.com/office/powerpoint/2010/main" val="2685600686"/>
               </p:ext>
             </p:extLst>
           </p:nvPr>
@@ -13259,14 +13559,46 @@
                     <a:lstStyle/>
                     <a:p>
                       <a:r>
-                        <a:rPr lang="nl-NL" sz="2000" b="0">
+                        <a:rPr lang="nl-NL" sz="2000" b="0" dirty="0" err="1">
                           <a:solidFill>
                             <a:schemeClr val="tx1"/>
                           </a:solidFill>
                         </a:rPr>
-                        <a:t>counts number of elements</a:t>
+                        <a:t>count</a:t>
                       </a:r>
-                      <a:endParaRPr lang="en-US" sz="2000" b="0">
+                      <a:r>
+                        <a:rPr lang="nl-NL" sz="2000" b="0" dirty="0">
+                          <a:solidFill>
+                            <a:schemeClr val="tx1"/>
+                          </a:solidFill>
+                        </a:rPr>
+                        <a:t> </a:t>
+                      </a:r>
+                      <a:r>
+                        <a:rPr lang="nl-NL" sz="2000" b="0" dirty="0" err="1">
+                          <a:solidFill>
+                            <a:schemeClr val="tx1"/>
+                          </a:solidFill>
+                        </a:rPr>
+                        <a:t>number</a:t>
+                      </a:r>
+                      <a:r>
+                        <a:rPr lang="nl-NL" sz="2000" b="0" dirty="0">
+                          <a:solidFill>
+                            <a:schemeClr val="tx1"/>
+                          </a:solidFill>
+                        </a:rPr>
+                        <a:t> of </a:t>
+                      </a:r>
+                      <a:r>
+                        <a:rPr lang="nl-NL" sz="2000" b="0" dirty="0" err="1">
+                          <a:solidFill>
+                            <a:schemeClr val="tx1"/>
+                          </a:solidFill>
+                        </a:rPr>
+                        <a:t>elements</a:t>
+                      </a:r>
+                      <a:endParaRPr lang="en-US" sz="2000" b="0" dirty="0">
                         <a:solidFill>
                           <a:schemeClr val="tx1"/>
                         </a:solidFill>
@@ -14148,7 +14480,7 @@
                   <a:srgbClr val="00B050"/>
                 </a:solidFill>
               </a:rPr>
-              <a:t>&gt;):</a:t>
+              <a:t>&gt;)):</a:t>
             </a:r>
           </a:p>
           <a:p>
@@ -20238,7 +20570,7 @@
               <a:tabLst/>
             </a:pPr>
             <a:r>
-              <a:rPr kumimoji="0" lang="nl-BE" altLang="nl-BE" sz="2000" b="0" i="0" u="none" strike="noStrike" cap="none" normalizeH="0" baseline="0">
+              <a:rPr kumimoji="0" lang="nl-BE" altLang="nl-BE" sz="2000" b="0" i="0" u="none" strike="noStrike" cap="none" normalizeH="0" baseline="0" dirty="0">
                 <a:ln>
                   <a:noFill/>
                 </a:ln>
@@ -20251,7 +20583,7 @@
               <a:t>films = [</a:t>
             </a:r>
             <a:r>
-              <a:rPr kumimoji="0" lang="nl-BE" altLang="nl-BE" sz="2000" b="1" i="0" u="none" strike="noStrike" cap="none" normalizeH="0" baseline="0">
+              <a:rPr kumimoji="0" lang="nl-BE" altLang="nl-BE" sz="2000" b="1" i="0" u="none" strike="noStrike" cap="none" normalizeH="0" baseline="0" dirty="0">
                 <a:ln>
                   <a:noFill/>
                 </a:ln>
@@ -20264,7 +20596,7 @@
               <a:t>'Wonder'</a:t>
             </a:r>
             <a:r>
-              <a:rPr kumimoji="0" lang="nl-BE" altLang="nl-BE" sz="2000" b="0" i="0" u="none" strike="noStrike" cap="none" normalizeH="0" baseline="0">
+              <a:rPr kumimoji="0" lang="nl-BE" altLang="nl-BE" sz="2000" b="0" i="0" u="none" strike="noStrike" cap="none" normalizeH="0" baseline="0" dirty="0">
                 <a:ln>
                   <a:noFill/>
                 </a:ln>
@@ -20277,7 +20609,7 @@
               <a:t>, </a:t>
             </a:r>
             <a:r>
-              <a:rPr kumimoji="0" lang="nl-BE" altLang="nl-BE" sz="2000" b="1" i="0" u="none" strike="noStrike" cap="none" normalizeH="0" baseline="0">
+              <a:rPr kumimoji="0" lang="nl-BE" altLang="nl-BE" sz="2000" b="1" i="0" u="none" strike="noStrike" cap="none" normalizeH="0" baseline="0" dirty="0">
                 <a:ln>
                   <a:noFill/>
                 </a:ln>
@@ -20290,7 +20622,7 @@
               <a:t>'</a:t>
             </a:r>
             <a:r>
-              <a:rPr kumimoji="0" lang="nl-BE" altLang="nl-BE" sz="2000" b="1" i="0" u="none" strike="noStrike" cap="none" normalizeH="0" baseline="0" err="1">
+              <a:rPr kumimoji="0" lang="nl-BE" altLang="nl-BE" sz="2000" b="1" i="0" u="none" strike="noStrike" cap="none" normalizeH="0" baseline="0" dirty="0" err="1">
                 <a:ln>
                   <a:noFill/>
                 </a:ln>
@@ -20303,7 +20635,7 @@
               <a:t>Loving</a:t>
             </a:r>
             <a:r>
-              <a:rPr kumimoji="0" lang="nl-BE" altLang="nl-BE" sz="2000" b="1" i="0" u="none" strike="noStrike" cap="none" normalizeH="0" baseline="0">
+              <a:rPr kumimoji="0" lang="nl-BE" altLang="nl-BE" sz="2000" b="1" i="0" u="none" strike="noStrike" cap="none" normalizeH="0" baseline="0" dirty="0">
                 <a:ln>
                   <a:noFill/>
                 </a:ln>
@@ -20316,7 +20648,7 @@
               <a:t> Vincent'</a:t>
             </a:r>
             <a:r>
-              <a:rPr kumimoji="0" lang="nl-BE" altLang="nl-BE" sz="2000" b="0" i="0" u="none" strike="noStrike" cap="none" normalizeH="0" baseline="0">
+              <a:rPr kumimoji="0" lang="nl-BE" altLang="nl-BE" sz="2000" b="0" i="0" u="none" strike="noStrike" cap="none" normalizeH="0" baseline="0" dirty="0">
                 <a:ln>
                   <a:noFill/>
                 </a:ln>
@@ -20329,7 +20661,7 @@
               <a:t>, </a:t>
             </a:r>
             <a:r>
-              <a:rPr kumimoji="0" lang="nl-BE" altLang="nl-BE" sz="2000" b="1" i="0" u="none" strike="noStrike" cap="none" normalizeH="0" baseline="0">
+              <a:rPr kumimoji="0" lang="nl-BE" altLang="nl-BE" sz="2000" b="1" i="0" u="none" strike="noStrike" cap="none" normalizeH="0" baseline="0" dirty="0">
                 <a:ln>
                   <a:noFill/>
                 </a:ln>
@@ -20342,7 +20674,7 @@
               <a:t>'Red </a:t>
             </a:r>
             <a:r>
-              <a:rPr kumimoji="0" lang="nl-BE" altLang="nl-BE" sz="2000" b="1" i="0" u="none" strike="noStrike" cap="none" normalizeH="0" baseline="0" err="1">
+              <a:rPr kumimoji="0" lang="nl-BE" altLang="nl-BE" sz="2000" b="1" i="0" u="none" strike="noStrike" cap="none" normalizeH="0" baseline="0" dirty="0" err="1">
                 <a:ln>
                   <a:noFill/>
                 </a:ln>
@@ -20355,7 +20687,7 @@
               <a:t>Sparrow</a:t>
             </a:r>
             <a:r>
-              <a:rPr kumimoji="0" lang="nl-BE" altLang="nl-BE" sz="2000" b="1" i="0" u="none" strike="noStrike" cap="none" normalizeH="0" baseline="0">
+              <a:rPr kumimoji="0" lang="nl-BE" altLang="nl-BE" sz="2000" b="1" i="0" u="none" strike="noStrike" cap="none" normalizeH="0" baseline="0" dirty="0">
                 <a:ln>
                   <a:noFill/>
                 </a:ln>
@@ -20368,7 +20700,7 @@
               <a:t>'</a:t>
             </a:r>
             <a:r>
-              <a:rPr kumimoji="0" lang="nl-BE" altLang="nl-BE" sz="2000" b="0" i="0" u="none" strike="noStrike" cap="none" normalizeH="0" baseline="0">
+              <a:rPr kumimoji="0" lang="nl-BE" altLang="nl-BE" sz="2000" b="0" i="0" u="none" strike="noStrike" cap="none" normalizeH="0" baseline="0" dirty="0">
                 <a:ln>
                   <a:noFill/>
                 </a:ln>
@@ -20381,7 +20713,7 @@
               <a:t>, </a:t>
             </a:r>
             <a:r>
-              <a:rPr kumimoji="0" lang="nl-BE" altLang="nl-BE" sz="2000" b="1" i="0" u="none" strike="noStrike" cap="none" normalizeH="0" baseline="0">
+              <a:rPr kumimoji="0" lang="nl-BE" altLang="nl-BE" sz="2000" b="1" i="0" u="none" strike="noStrike" cap="none" normalizeH="0" baseline="0" dirty="0">
                 <a:ln>
                   <a:noFill/>
                 </a:ln>
@@ -20394,7 +20726,7 @@
               <a:t>'</a:t>
             </a:r>
             <a:r>
-              <a:rPr kumimoji="0" lang="nl-BE" altLang="nl-BE" sz="2000" b="1" i="0" u="none" strike="noStrike" cap="none" normalizeH="0" baseline="0" err="1">
+              <a:rPr kumimoji="0" lang="nl-BE" altLang="nl-BE" sz="2000" b="1" i="0" u="none" strike="noStrike" cap="none" normalizeH="0" baseline="0" dirty="0" err="1">
                 <a:ln>
                   <a:noFill/>
                 </a:ln>
@@ -20407,7 +20739,7 @@
               <a:t>Jumanji</a:t>
             </a:r>
             <a:r>
-              <a:rPr kumimoji="0" lang="nl-BE" altLang="nl-BE" sz="2000" b="1" i="0" u="none" strike="noStrike" cap="none" normalizeH="0" baseline="0">
+              <a:rPr kumimoji="0" lang="nl-BE" altLang="nl-BE" sz="2000" b="1" i="0" u="none" strike="noStrike" cap="none" normalizeH="0" baseline="0" dirty="0">
                 <a:ln>
                   <a:noFill/>
                 </a:ln>
@@ -20420,7 +20752,7 @@
               <a:t>'</a:t>
             </a:r>
             <a:r>
-              <a:rPr kumimoji="0" lang="nl-BE" altLang="nl-BE" sz="2000" b="0" i="0" u="none" strike="noStrike" cap="none" normalizeH="0" baseline="0">
+              <a:rPr kumimoji="0" lang="nl-BE" altLang="nl-BE" sz="2000" b="0" i="0" u="none" strike="noStrike" cap="none" normalizeH="0" baseline="0" dirty="0">
                 <a:ln>
                   <a:noFill/>
                 </a:ln>
@@ -20433,7 +20765,7 @@
               <a:t>]</a:t>
             </a:r>
             <a:br>
-              <a:rPr kumimoji="0" lang="nl-BE" altLang="nl-BE" sz="2000" b="0" i="0" u="none" strike="noStrike" cap="none" normalizeH="0" baseline="0">
+              <a:rPr kumimoji="0" lang="nl-BE" altLang="nl-BE" sz="2000" b="0" i="0" u="none" strike="noStrike" cap="none" normalizeH="0" baseline="0" dirty="0">
                 <a:ln>
                   <a:noFill/>
                 </a:ln>
@@ -20445,7 +20777,7 @@
               </a:rPr>
             </a:br>
             <a:r>
-              <a:rPr kumimoji="0" lang="nl-BE" altLang="nl-BE" sz="2000" b="0" i="0" u="none" strike="noStrike" cap="none" normalizeH="0" baseline="0">
+              <a:rPr kumimoji="0" lang="nl-BE" altLang="nl-BE" sz="2000" b="0" i="0" u="none" strike="noStrike" cap="none" normalizeH="0" baseline="0" dirty="0">
                 <a:ln>
                   <a:noFill/>
                 </a:ln>
@@ -20458,7 +20790,7 @@
               <a:t>films2 = [</a:t>
             </a:r>
             <a:r>
-              <a:rPr kumimoji="0" lang="nl-BE" altLang="nl-BE" sz="2000" b="1" i="0" u="none" strike="noStrike" cap="none" normalizeH="0" baseline="0">
+              <a:rPr kumimoji="0" lang="nl-BE" altLang="nl-BE" sz="2000" b="1" i="0" u="none" strike="noStrike" cap="none" normalizeH="0" baseline="0" dirty="0">
                 <a:ln>
                   <a:noFill/>
                 </a:ln>
@@ -20471,7 +20803,7 @@
               <a:t>'IT'</a:t>
             </a:r>
             <a:r>
-              <a:rPr kumimoji="0" lang="nl-BE" altLang="nl-BE" sz="2000" b="0" i="0" u="none" strike="noStrike" cap="none" normalizeH="0" baseline="0">
+              <a:rPr kumimoji="0" lang="nl-BE" altLang="nl-BE" sz="2000" b="0" i="0" u="none" strike="noStrike" cap="none" normalizeH="0" baseline="0" dirty="0">
                 <a:ln>
                   <a:noFill/>
                 </a:ln>
@@ -20484,7 +20816,7 @@
               <a:t>, </a:t>
             </a:r>
             <a:r>
-              <a:rPr kumimoji="0" lang="nl-BE" altLang="nl-BE" sz="2000" b="1" i="0" u="none" strike="noStrike" cap="none" normalizeH="0" baseline="0">
+              <a:rPr kumimoji="0" lang="nl-BE" altLang="nl-BE" sz="2000" b="1" i="0" u="none" strike="noStrike" cap="none" normalizeH="0" baseline="0" dirty="0">
                 <a:ln>
                   <a:noFill/>
                 </a:ln>
@@ -20497,7 +20829,7 @@
               <a:t>'</a:t>
             </a:r>
             <a:r>
-              <a:rPr kumimoji="0" lang="nl-BE" altLang="nl-BE" sz="2000" b="1" i="0" u="none" strike="noStrike" cap="none" normalizeH="0" baseline="0" err="1">
+              <a:rPr kumimoji="0" lang="nl-BE" altLang="nl-BE" sz="2000" b="1" i="0" u="none" strike="noStrike" cap="none" normalizeH="0" baseline="0" dirty="0" err="1">
                 <a:ln>
                   <a:noFill/>
                 </a:ln>
@@ -20510,7 +20842,7 @@
               <a:t>Once</a:t>
             </a:r>
             <a:r>
-              <a:rPr kumimoji="0" lang="nl-BE" altLang="nl-BE" sz="2000" b="1" i="0" u="none" strike="noStrike" cap="none" normalizeH="0" baseline="0">
+              <a:rPr kumimoji="0" lang="nl-BE" altLang="nl-BE" sz="2000" b="1" i="0" u="none" strike="noStrike" cap="none" normalizeH="0" baseline="0" dirty="0">
                 <a:ln>
                   <a:noFill/>
                 </a:ln>
@@ -20523,7 +20855,7 @@
               <a:t> </a:t>
             </a:r>
             <a:r>
-              <a:rPr kumimoji="0" lang="nl-BE" altLang="nl-BE" sz="2000" b="1" i="0" u="none" strike="noStrike" cap="none" normalizeH="0" baseline="0" err="1">
+              <a:rPr kumimoji="0" lang="nl-BE" altLang="nl-BE" sz="2000" b="1" i="0" u="none" strike="noStrike" cap="none" normalizeH="0" baseline="0" dirty="0" err="1">
                 <a:ln>
                   <a:noFill/>
                 </a:ln>
@@ -20536,7 +20868,7 @@
               <a:t>upon</a:t>
             </a:r>
             <a:r>
-              <a:rPr kumimoji="0" lang="nl-BE" altLang="nl-BE" sz="2000" b="1" i="0" u="none" strike="noStrike" cap="none" normalizeH="0" baseline="0">
+              <a:rPr kumimoji="0" lang="nl-BE" altLang="nl-BE" sz="2000" b="1" i="0" u="none" strike="noStrike" cap="none" normalizeH="0" baseline="0" dirty="0">
                 <a:ln>
                   <a:noFill/>
                 </a:ln>
@@ -20549,7 +20881,7 @@
               <a:t> a time'</a:t>
             </a:r>
             <a:r>
-              <a:rPr kumimoji="0" lang="nl-BE" altLang="nl-BE" sz="2000" b="0" i="0" u="none" strike="noStrike" cap="none" normalizeH="0" baseline="0">
+              <a:rPr kumimoji="0" lang="nl-BE" altLang="nl-BE" sz="2000" b="0" i="0" u="none" strike="noStrike" cap="none" normalizeH="0" baseline="0" dirty="0">
                 <a:ln>
                   <a:noFill/>
                 </a:ln>
@@ -20562,7 +20894,7 @@
               <a:t>, *films[</a:t>
             </a:r>
             <a:r>
-              <a:rPr kumimoji="0" lang="nl-BE" altLang="nl-BE" sz="2000" b="0" i="0" u="none" strike="noStrike" cap="none" normalizeH="0" baseline="0">
+              <a:rPr kumimoji="0" lang="nl-BE" altLang="nl-BE" sz="2000" b="0" i="0" u="none" strike="noStrike" cap="none" normalizeH="0" baseline="0" dirty="0">
                 <a:ln>
                   <a:noFill/>
                 </a:ln>
@@ -20575,7 +20907,7 @@
               <a:t>1</a:t>
             </a:r>
             <a:r>
-              <a:rPr kumimoji="0" lang="nl-BE" altLang="nl-BE" sz="2000" b="0" i="0" u="none" strike="noStrike" cap="none" normalizeH="0" baseline="0">
+              <a:rPr kumimoji="0" lang="nl-BE" altLang="nl-BE" sz="2000" b="0" i="0" u="none" strike="noStrike" cap="none" normalizeH="0" baseline="0" dirty="0">
                 <a:ln>
                   <a:noFill/>
                 </a:ln>
@@ -20588,7 +20920,7 @@
               <a:t>:-</a:t>
             </a:r>
             <a:r>
-              <a:rPr kumimoji="0" lang="nl-BE" altLang="nl-BE" sz="2000" b="0" i="0" u="none" strike="noStrike" cap="none" normalizeH="0" baseline="0">
+              <a:rPr kumimoji="0" lang="nl-BE" altLang="nl-BE" sz="2000" b="0" i="0" u="none" strike="noStrike" cap="none" normalizeH="0" baseline="0" dirty="0">
                 <a:ln>
                   <a:noFill/>
                 </a:ln>
@@ -20601,7 +20933,7 @@
               <a:t>1</a:t>
             </a:r>
             <a:r>
-              <a:rPr kumimoji="0" lang="nl-BE" altLang="nl-BE" sz="2000" b="0" i="0" u="none" strike="noStrike" cap="none" normalizeH="0" baseline="0">
+              <a:rPr kumimoji="0" lang="nl-BE" altLang="nl-BE" sz="2000" b="0" i="0" u="none" strike="noStrike" cap="none" normalizeH="0" baseline="0" dirty="0">
                 <a:ln>
                   <a:noFill/>
                 </a:ln>
@@ -20614,7 +20946,7 @@
               <a:t>], </a:t>
             </a:r>
             <a:r>
-              <a:rPr kumimoji="0" lang="nl-BE" altLang="nl-BE" sz="2000" b="1" i="0" u="none" strike="noStrike" cap="none" normalizeH="0" baseline="0">
+              <a:rPr kumimoji="0" lang="nl-BE" altLang="nl-BE" sz="2000" b="1" i="0" u="none" strike="noStrike" cap="none" normalizeH="0" baseline="0" dirty="0">
                 <a:ln>
                   <a:noFill/>
                 </a:ln>
@@ -20627,7 +20959,7 @@
               <a:t>'Bad </a:t>
             </a:r>
             <a:r>
-              <a:rPr kumimoji="0" lang="nl-BE" altLang="nl-BE" sz="2000" b="1" i="0" u="none" strike="noStrike" cap="none" normalizeH="0" baseline="0" err="1">
+              <a:rPr kumimoji="0" lang="nl-BE" altLang="nl-BE" sz="2000" b="1" i="0" u="none" strike="noStrike" cap="none" normalizeH="0" baseline="0" dirty="0" err="1">
                 <a:ln>
                   <a:noFill/>
                 </a:ln>
@@ -20640,7 +20972,7 @@
               <a:t>Cop</a:t>
             </a:r>
             <a:r>
-              <a:rPr kumimoji="0" lang="nl-BE" altLang="nl-BE" sz="2000" b="1" i="0" u="none" strike="noStrike" cap="none" normalizeH="0" baseline="0">
+              <a:rPr kumimoji="0" lang="nl-BE" altLang="nl-BE" sz="2000" b="1" i="0" u="none" strike="noStrike" cap="none" normalizeH="0" baseline="0" dirty="0">
                 <a:ln>
                   <a:noFill/>
                 </a:ln>
@@ -20653,7 +20985,7 @@
               <a:t>'</a:t>
             </a:r>
             <a:r>
-              <a:rPr kumimoji="0" lang="nl-BE" altLang="nl-BE" sz="2000" b="0" i="0" u="none" strike="noStrike" cap="none" normalizeH="0" baseline="0">
+              <a:rPr kumimoji="0" lang="nl-BE" altLang="nl-BE" sz="2000" b="0" i="0" u="none" strike="noStrike" cap="none" normalizeH="0" baseline="0" dirty="0">
                 <a:ln>
                   <a:noFill/>
                 </a:ln>
@@ -20665,7 +20997,7 @@
               </a:rPr>
               <a:t>]</a:t>
             </a:r>
-            <a:endParaRPr kumimoji="0" lang="nl-BE" altLang="nl-BE" sz="2000" b="0" i="0" u="none" strike="noStrike" cap="none" normalizeH="0" baseline="0">
+            <a:endParaRPr kumimoji="0" lang="nl-BE" altLang="nl-BE" sz="2000" b="0" i="0" u="none" strike="noStrike" cap="none" normalizeH="0" baseline="0" dirty="0">
               <a:ln>
                 <a:noFill/>
               </a:ln>
@@ -20875,54 +21207,214 @@
           <a:lstStyle/>
           <a:p>
             <a:r>
-              <a:rPr lang="nl-NL"/>
-              <a:t>You can use the max() and min() functions to determine the maximum and minimum respectively of a sequence consisting of numbers. </a:t>
-            </a:r>
-          </a:p>
-          <a:p>
-            <a:r>
-              <a:rPr lang="nl-NL"/>
-              <a:t>You </a:t>
-            </a:r>
-            <a:r>
-              <a:rPr lang="nl-NL" err="1"/>
+              <a:rPr lang="nl-NL" dirty="0" err="1"/>
+              <a:t>You</a:t>
+            </a:r>
+            <a:r>
+              <a:rPr lang="nl-NL" dirty="0"/>
+              <a:t> </a:t>
+            </a:r>
+            <a:r>
+              <a:rPr lang="nl-NL" dirty="0" err="1"/>
               <a:t>can</a:t>
             </a:r>
             <a:r>
-              <a:rPr lang="nl-NL"/>
+              <a:rPr lang="nl-NL" dirty="0"/>
               <a:t> </a:t>
             </a:r>
             <a:r>
-              <a:rPr lang="nl-NL" err="1"/>
-              <a:t>summerize</a:t>
-            </a:r>
-            <a:r>
-              <a:rPr lang="nl-NL"/>
+              <a:rPr lang="nl-NL" dirty="0" err="1"/>
+              <a:t>use</a:t>
+            </a:r>
+            <a:r>
+              <a:rPr lang="nl-NL" dirty="0"/>
               <a:t> </a:t>
             </a:r>
             <a:r>
-              <a:rPr lang="nl-NL" err="1"/>
+              <a:rPr lang="nl-NL" dirty="0" err="1"/>
               <a:t>the</a:t>
             </a:r>
             <a:r>
-              <a:rPr lang="nl-NL"/>
-              <a:t> elements of a </a:t>
-            </a:r>
-            <a:r>
-              <a:rPr lang="nl-NL" err="1"/>
+              <a:rPr lang="nl-NL" dirty="0"/>
+              <a:t> max() </a:t>
+            </a:r>
+            <a:r>
+              <a:rPr lang="nl-NL" dirty="0" err="1"/>
+              <a:t>and</a:t>
+            </a:r>
+            <a:r>
+              <a:rPr lang="nl-NL" dirty="0"/>
+              <a:t> min() </a:t>
+            </a:r>
+            <a:r>
+              <a:rPr lang="nl-NL" dirty="0" err="1"/>
+              <a:t>functions</a:t>
+            </a:r>
+            <a:r>
+              <a:rPr lang="nl-NL" dirty="0"/>
+              <a:t> </a:t>
+            </a:r>
+            <a:r>
+              <a:rPr lang="nl-NL" dirty="0" err="1"/>
+              <a:t>to</a:t>
+            </a:r>
+            <a:r>
+              <a:rPr lang="nl-NL" dirty="0"/>
+              <a:t> </a:t>
+            </a:r>
+            <a:r>
+              <a:rPr lang="nl-NL" dirty="0" err="1"/>
+              <a:t>determine</a:t>
+            </a:r>
+            <a:r>
+              <a:rPr lang="nl-NL" dirty="0"/>
+              <a:t> </a:t>
+            </a:r>
+            <a:r>
+              <a:rPr lang="nl-NL" dirty="0" err="1"/>
+              <a:t>the</a:t>
+            </a:r>
+            <a:r>
+              <a:rPr lang="nl-NL" dirty="0"/>
+              <a:t> maximum </a:t>
+            </a:r>
+            <a:r>
+              <a:rPr lang="nl-NL" dirty="0" err="1"/>
+              <a:t>and</a:t>
+            </a:r>
+            <a:r>
+              <a:rPr lang="nl-NL" dirty="0"/>
+              <a:t> minimum </a:t>
+            </a:r>
+            <a:r>
+              <a:rPr lang="nl-NL" dirty="0" err="1"/>
+              <a:t>respectively</a:t>
+            </a:r>
+            <a:r>
+              <a:rPr lang="nl-NL" dirty="0"/>
+              <a:t> of a </a:t>
+            </a:r>
+            <a:r>
+              <a:rPr lang="nl-NL" dirty="0" err="1"/>
               <a:t>sequence</a:t>
             </a:r>
             <a:r>
-              <a:rPr lang="nl-NL"/>
-              <a:t> of numeric elements using the </a:t>
-            </a:r>
-            <a:r>
-              <a:rPr lang="nl-NL" err="1"/>
+              <a:rPr lang="nl-NL" dirty="0"/>
+              <a:t> </a:t>
+            </a:r>
+            <a:r>
+              <a:rPr lang="nl-NL" dirty="0" err="1"/>
+              <a:t>consisting</a:t>
+            </a:r>
+            <a:r>
+              <a:rPr lang="nl-NL" dirty="0"/>
+              <a:t> of </a:t>
+            </a:r>
+            <a:r>
+              <a:rPr lang="nl-NL" dirty="0" err="1"/>
+              <a:t>numbers</a:t>
+            </a:r>
+            <a:r>
+              <a:rPr lang="nl-NL" dirty="0"/>
+              <a:t>. </a:t>
+            </a:r>
+          </a:p>
+          <a:p>
+            <a:r>
+              <a:rPr lang="nl-NL" dirty="0" err="1"/>
+              <a:t>You</a:t>
+            </a:r>
+            <a:r>
+              <a:rPr lang="nl-NL" dirty="0"/>
+              <a:t> </a:t>
+            </a:r>
+            <a:r>
+              <a:rPr lang="nl-NL" dirty="0" err="1"/>
+              <a:t>can</a:t>
+            </a:r>
+            <a:r>
+              <a:rPr lang="nl-NL" dirty="0"/>
+              <a:t> </a:t>
+            </a:r>
+            <a:r>
+              <a:rPr lang="nl-NL" dirty="0" err="1"/>
+              <a:t>summarize</a:t>
+            </a:r>
+            <a:r>
+              <a:rPr lang="nl-NL" dirty="0"/>
+              <a:t> </a:t>
+            </a:r>
+            <a:r>
+              <a:rPr lang="nl-NL" dirty="0" err="1"/>
+              <a:t>the</a:t>
+            </a:r>
+            <a:r>
+              <a:rPr lang="nl-NL" dirty="0"/>
+              <a:t> </a:t>
+            </a:r>
+            <a:r>
+              <a:rPr lang="nl-NL" dirty="0" err="1"/>
+              <a:t>elements</a:t>
+            </a:r>
+            <a:r>
+              <a:rPr lang="nl-NL" dirty="0"/>
+              <a:t> of a </a:t>
+            </a:r>
+            <a:r>
+              <a:rPr lang="nl-NL" dirty="0" err="1"/>
+              <a:t>sequence</a:t>
+            </a:r>
+            <a:r>
+              <a:rPr lang="nl-NL" dirty="0"/>
+              <a:t> of </a:t>
+            </a:r>
+            <a:r>
+              <a:rPr lang="nl-NL" dirty="0" err="1"/>
+              <a:t>numeric</a:t>
+            </a:r>
+            <a:r>
+              <a:rPr lang="nl-NL" dirty="0"/>
+              <a:t> </a:t>
+            </a:r>
+            <a:r>
+              <a:rPr lang="nl-NL" dirty="0" err="1"/>
+              <a:t>elements</a:t>
+            </a:r>
+            <a:r>
+              <a:rPr lang="nl-NL" dirty="0"/>
+              <a:t> </a:t>
+            </a:r>
+            <a:r>
+              <a:rPr lang="nl-NL" dirty="0" err="1"/>
+              <a:t>using</a:t>
+            </a:r>
+            <a:r>
+              <a:rPr lang="nl-NL" dirty="0"/>
+              <a:t> </a:t>
+            </a:r>
+            <a:r>
+              <a:rPr lang="nl-NL" dirty="0" err="1"/>
+              <a:t>the</a:t>
+            </a:r>
+            <a:r>
+              <a:rPr lang="nl-NL" dirty="0"/>
+              <a:t> </a:t>
+            </a:r>
+            <a:r>
+              <a:rPr lang="nl-NL" dirty="0" err="1"/>
               <a:t>sum</a:t>
             </a:r>
             <a:r>
-              <a:rPr lang="nl-NL"/>
-              <a:t>() function.</a:t>
+              <a:rPr lang="nl-NL" dirty="0"/>
+              <a:t>() </a:t>
+            </a:r>
+            <a:r>
+              <a:rPr lang="nl-NL" dirty="0" err="1"/>
+              <a:t>function</a:t>
+            </a:r>
+            <a:r>
+              <a:rPr lang="nl-NL" dirty="0"/>
+              <a:t>.</a:t>
             </a:r>
           </a:p>
         </p:txBody>
@@ -26495,284 +26987,292 @@
               <a:buNone/>
             </a:pPr>
             <a:r>
-              <a:rPr lang="en-US"/>
+              <a:rPr lang="en-US" dirty="0"/>
               <a:t>There are 4 collection data types in Python. We use them when we have </a:t>
             </a:r>
             <a:r>
-              <a:rPr lang="nl-BE"/>
+              <a:rPr lang="nl-BE" dirty="0"/>
               <a:t>a </a:t>
             </a:r>
             <a:r>
-              <a:rPr lang="nl-BE" err="1"/>
+              <a:rPr lang="nl-BE" dirty="0" err="1"/>
               <a:t>collection</a:t>
             </a:r>
             <a:r>
-              <a:rPr lang="nl-BE"/>
+              <a:rPr lang="nl-BE" dirty="0"/>
               <a:t> of </a:t>
             </a:r>
             <a:r>
-              <a:rPr lang="nl-BE" err="1"/>
+              <a:rPr lang="nl-BE" dirty="0" err="1"/>
               <a:t>objects</a:t>
             </a:r>
             <a:r>
-              <a:rPr lang="nl-BE"/>
+              <a:rPr lang="nl-BE" dirty="0"/>
               <a:t> </a:t>
             </a:r>
             <a:r>
-              <a:rPr lang="nl-BE" err="1"/>
+              <a:rPr lang="nl-BE" dirty="0" err="1"/>
               <a:t>that</a:t>
             </a:r>
             <a:r>
-              <a:rPr lang="nl-BE"/>
+              <a:rPr lang="nl-BE" dirty="0"/>
               <a:t> we want </a:t>
             </a:r>
             <a:r>
-              <a:rPr lang="nl-BE" err="1"/>
+              <a:rPr lang="nl-BE" dirty="0" err="1"/>
               <a:t>to</a:t>
             </a:r>
             <a:r>
-              <a:rPr lang="nl-BE"/>
+              <a:rPr lang="nl-BE" dirty="0"/>
               <a:t> </a:t>
             </a:r>
             <a:r>
-              <a:rPr lang="nl-BE" err="1"/>
+              <a:rPr lang="nl-BE" dirty="0" err="1"/>
               <a:t>address</a:t>
             </a:r>
             <a:r>
-              <a:rPr lang="nl-BE"/>
+              <a:rPr lang="nl-BE" dirty="0"/>
               <a:t> as a </a:t>
             </a:r>
             <a:r>
-              <a:rPr lang="nl-BE" err="1"/>
+              <a:rPr lang="nl-BE" dirty="0" err="1"/>
               <a:t>whole</a:t>
             </a:r>
             <a:r>
-              <a:rPr lang="nl-BE"/>
+              <a:rPr lang="nl-BE" dirty="0"/>
               <a:t> in a program</a:t>
             </a:r>
-            <a:endParaRPr lang="en-US"/>
+            <a:endParaRPr lang="en-US" dirty="0"/>
           </a:p>
           <a:p>
             <a:pPr lvl="1"/>
             <a:r>
-              <a:rPr lang="en-US" b="1"/>
+              <a:rPr lang="en-US" b="1" dirty="0"/>
               <a:t>Tuple</a:t>
             </a:r>
             <a:r>
-              <a:rPr lang="en-US"/>
+              <a:rPr lang="en-US" dirty="0"/>
               <a:t> is a collection which is ordered and unchangeable.  </a:t>
             </a:r>
             <a:r>
-              <a:rPr lang="en-US" sz="2000"/>
+              <a:rPr lang="en-US" sz="2000" dirty="0"/>
               <a:t>(immutable like strings)</a:t>
             </a:r>
           </a:p>
           <a:p>
             <a:pPr lvl="1"/>
             <a:r>
-              <a:rPr lang="en-US" b="1"/>
+              <a:rPr lang="en-US" b="1" dirty="0"/>
               <a:t>List</a:t>
             </a:r>
             <a:r>
-              <a:rPr lang="en-US"/>
+              <a:rPr lang="en-US" dirty="0"/>
               <a:t> is a collection which is ordered and changeable. </a:t>
             </a:r>
           </a:p>
           <a:p>
             <a:pPr lvl="1"/>
             <a:r>
-              <a:rPr lang="en-US" b="1"/>
+              <a:rPr lang="en-US" b="1" dirty="0"/>
               <a:t>Set: </a:t>
             </a:r>
             <a:r>
-              <a:rPr lang="en-US"/>
+              <a:rPr lang="en-US" dirty="0"/>
               <a:t>see chapter 10</a:t>
             </a:r>
           </a:p>
           <a:p>
             <a:pPr lvl="1"/>
             <a:r>
-              <a:rPr lang="en-US" b="1"/>
+              <a:rPr lang="en-US" b="1" dirty="0"/>
               <a:t>Dictionary</a:t>
             </a:r>
             <a:r>
-              <a:rPr lang="en-US"/>
+              <a:rPr lang="en-US" dirty="0"/>
               <a:t>: see chapter 10</a:t>
             </a:r>
           </a:p>
           <a:p>
             <a:r>
-              <a:rPr lang="nl-BE" err="1"/>
+              <a:rPr lang="nl-BE" dirty="0" err="1"/>
               <a:t>Tuple</a:t>
             </a:r>
             <a:r>
-              <a:rPr lang="nl-BE"/>
+              <a:rPr lang="nl-BE" dirty="0"/>
               <a:t> </a:t>
             </a:r>
             <a:r>
-              <a:rPr lang="nl-BE" err="1"/>
+              <a:rPr lang="nl-BE" dirty="0" err="1"/>
               <a:t>uses</a:t>
             </a:r>
             <a:r>
-              <a:rPr lang="nl-BE"/>
+              <a:rPr lang="nl-BE" dirty="0"/>
               <a:t> ( …….. ) , List </a:t>
             </a:r>
             <a:r>
-              <a:rPr lang="nl-BE" err="1"/>
+              <a:rPr lang="nl-BE" dirty="0" err="1"/>
               <a:t>uses</a:t>
             </a:r>
             <a:r>
-              <a:rPr lang="nl-BE"/>
+              <a:rPr lang="nl-BE" dirty="0"/>
               <a:t> [ …….. ] </a:t>
             </a:r>
             <a:r>
-              <a:rPr lang="nl-BE" err="1"/>
+              <a:rPr lang="nl-BE" dirty="0" err="1"/>
               <a:t>and</a:t>
             </a:r>
             <a:r>
-              <a:rPr lang="nl-BE"/>
+              <a:rPr lang="nl-BE" dirty="0"/>
               <a:t> Set &amp; Dictionary </a:t>
             </a:r>
             <a:r>
-              <a:rPr lang="nl-BE" err="1"/>
-              <a:t>uses</a:t>
-            </a:r>
-            <a:r>
-              <a:rPr lang="nl-BE"/>
+              <a:rPr lang="nl-BE" dirty="0" err="1"/>
+              <a:t>both</a:t>
+            </a:r>
+            <a:r>
+              <a:rPr lang="nl-BE" dirty="0"/>
+              <a:t> </a:t>
+            </a:r>
+            <a:r>
+              <a:rPr lang="nl-BE" dirty="0" err="1"/>
+              <a:t>use</a:t>
+            </a:r>
+            <a:r>
+              <a:rPr lang="nl-BE" dirty="0"/>
               <a:t> { …….. }</a:t>
             </a:r>
           </a:p>
           <a:p>
             <a:r>
-              <a:rPr lang="nl-BE" err="1"/>
+              <a:rPr lang="nl-BE" dirty="0" err="1"/>
               <a:t>Tuple</a:t>
             </a:r>
             <a:r>
-              <a:rPr lang="nl-BE"/>
+              <a:rPr lang="nl-BE" dirty="0"/>
               <a:t> </a:t>
             </a:r>
             <a:r>
-              <a:rPr lang="nl-BE" err="1"/>
+              <a:rPr lang="nl-BE" dirty="0" err="1"/>
               <a:t>and</a:t>
             </a:r>
             <a:r>
-              <a:rPr lang="nl-BE"/>
+              <a:rPr lang="nl-BE" dirty="0"/>
               <a:t> List are </a:t>
             </a:r>
             <a:r>
-              <a:rPr lang="nl-BE" err="1"/>
+              <a:rPr lang="nl-BE" dirty="0" err="1"/>
               <a:t>often</a:t>
             </a:r>
             <a:r>
-              <a:rPr lang="nl-BE"/>
+              <a:rPr lang="nl-BE" dirty="0"/>
               <a:t> </a:t>
             </a:r>
             <a:r>
-              <a:rPr lang="nl-BE" err="1"/>
+              <a:rPr lang="nl-BE" dirty="0" err="1"/>
               <a:t>called</a:t>
             </a:r>
             <a:r>
-              <a:rPr lang="nl-BE"/>
+              <a:rPr lang="nl-BE" dirty="0"/>
               <a:t> </a:t>
             </a:r>
             <a:r>
-              <a:rPr lang="nl-BE" i="1" err="1"/>
+              <a:rPr lang="nl-BE" i="1" dirty="0" err="1"/>
               <a:t>sequences</a:t>
             </a:r>
-            <a:endParaRPr lang="nl-BE" i="1"/>
-          </a:p>
-          <a:p>
-            <a:r>
-              <a:rPr lang="nl-BE" err="1"/>
+            <a:endParaRPr lang="nl-BE" i="1" dirty="0"/>
+          </a:p>
+          <a:p>
+            <a:r>
+              <a:rPr lang="nl-BE" dirty="0" err="1"/>
               <a:t>Examples</a:t>
             </a:r>
             <a:r>
-              <a:rPr lang="nl-BE"/>
+              <a:rPr lang="nl-BE" dirty="0"/>
               <a:t> </a:t>
             </a:r>
           </a:p>
           <a:p>
             <a:pPr lvl="1"/>
             <a:r>
-              <a:rPr lang="nl-BE"/>
+              <a:rPr lang="nl-BE" dirty="0"/>
               <a:t>a film </a:t>
             </a:r>
             <a:r>
-              <a:rPr lang="nl-BE" err="1"/>
+              <a:rPr lang="nl-BE" dirty="0" err="1"/>
               <a:t>collection</a:t>
             </a:r>
-            <a:endParaRPr lang="nl-BE"/>
+            <a:endParaRPr lang="nl-BE" dirty="0"/>
           </a:p>
           <a:p>
             <a:pPr lvl="1"/>
             <a:r>
-              <a:rPr lang="nl-BE"/>
+              <a:rPr lang="nl-BE" dirty="0"/>
               <a:t>a stack of </a:t>
             </a:r>
             <a:r>
-              <a:rPr lang="nl-BE" err="1"/>
+              <a:rPr lang="nl-BE" dirty="0" err="1"/>
               <a:t>books</a:t>
             </a:r>
-            <a:endParaRPr lang="nl-BE"/>
+            <a:endParaRPr lang="nl-BE" dirty="0"/>
           </a:p>
           <a:p>
             <a:pPr lvl="1"/>
             <a:r>
-              <a:rPr lang="nl-BE" err="1"/>
+              <a:rPr lang="nl-BE" dirty="0" err="1"/>
               <a:t>the</a:t>
             </a:r>
             <a:r>
-              <a:rPr lang="nl-BE"/>
+              <a:rPr lang="nl-BE" dirty="0"/>
               <a:t> </a:t>
             </a:r>
             <a:r>
-              <a:rPr lang="nl-BE" err="1"/>
+              <a:rPr lang="nl-BE" dirty="0" err="1"/>
               <a:t>days</a:t>
             </a:r>
             <a:r>
-              <a:rPr lang="nl-BE"/>
+              <a:rPr lang="nl-BE" dirty="0"/>
               <a:t> of </a:t>
             </a:r>
             <a:r>
-              <a:rPr lang="nl-BE" err="1"/>
+              <a:rPr lang="nl-BE" dirty="0" err="1"/>
               <a:t>the</a:t>
             </a:r>
             <a:r>
-              <a:rPr lang="nl-BE"/>
+              <a:rPr lang="nl-BE" dirty="0"/>
               <a:t> week</a:t>
             </a:r>
           </a:p>
           <a:p>
             <a:pPr lvl="1"/>
             <a:r>
-              <a:rPr lang="nl-BE" err="1"/>
+              <a:rPr lang="nl-BE" dirty="0" err="1"/>
               <a:t>temperature</a:t>
             </a:r>
             <a:r>
-              <a:rPr lang="nl-BE"/>
+              <a:rPr lang="nl-BE" dirty="0"/>
               <a:t> </a:t>
             </a:r>
             <a:r>
-              <a:rPr lang="nl-BE" err="1"/>
+              <a:rPr lang="nl-BE" dirty="0" err="1"/>
               <a:t>measurements</a:t>
             </a:r>
             <a:r>
-              <a:rPr lang="nl-BE"/>
+              <a:rPr lang="nl-BE" dirty="0"/>
               <a:t> of </a:t>
             </a:r>
             <a:r>
-              <a:rPr lang="nl-BE" err="1"/>
+              <a:rPr lang="nl-BE" dirty="0" err="1"/>
               <a:t>the</a:t>
             </a:r>
             <a:r>
-              <a:rPr lang="nl-BE"/>
+              <a:rPr lang="nl-BE" dirty="0"/>
               <a:t> past week</a:t>
             </a:r>
           </a:p>
           <a:p>
             <a:pPr lvl="1"/>
             <a:r>
-              <a:rPr lang="nl-BE"/>
+              <a:rPr lang="nl-BE" dirty="0"/>
               <a:t>…</a:t>
             </a:r>
           </a:p>
@@ -26780,15 +27280,15 @@
             <a:pPr marL="457200" lvl="1" indent="0">
               <a:buNone/>
             </a:pPr>
-            <a:endParaRPr lang="nl-BE"/>
+            <a:endParaRPr lang="nl-BE" dirty="0"/>
           </a:p>
           <a:p>
             <a:pPr lvl="1"/>
-            <a:endParaRPr lang="nl-BE"/>
+            <a:endParaRPr lang="nl-BE" dirty="0"/>
           </a:p>
           <a:p>
             <a:pPr lvl="1"/>
-            <a:endParaRPr lang="nl-BE"/>
+            <a:endParaRPr lang="nl-BE" dirty="0"/>
           </a:p>
         </p:txBody>
       </p:sp>
@@ -29656,7 +30156,7 @@
         <p:spPr>
           <a:xfrm>
             <a:off x="3856308" y="3128247"/>
-            <a:ext cx="1522340" cy="461665"/>
+            <a:ext cx="1453411" cy="461665"/>
           </a:xfrm>
           <a:prstGeom prst="rect">
             <a:avLst/>
@@ -29670,20 +30170,12 @@
           <a:lstStyle/>
           <a:p>
             <a:r>
-              <a:rPr lang="nl-BE" sz="2400" b="1" dirty="0">
+              <a:rPr lang="nl-BE" sz="2400" b="1" dirty="0" err="1">
                 <a:solidFill>
                   <a:srgbClr val="4584B6"/>
                 </a:solidFill>
               </a:rPr>
-              <a:t>in </a:t>
-            </a:r>
-            <a:r>
-              <a:rPr lang="nl-BE" sz="2400" b="1" dirty="0" err="1">
-                <a:solidFill>
-                  <a:srgbClr val="4584B6"/>
-                </a:solidFill>
-              </a:rPr>
-              <a:t>stead</a:t>
+              <a:t>instead</a:t>
             </a:r>
             <a:r>
               <a:rPr lang="nl-BE" sz="2400" b="1" dirty="0">
